--- a/Doc/01_TaiLieuThamKhao/TaiLieuThamKhao2.pptx
+++ b/Doc/01_TaiLieuThamKhao/TaiLieuThamKhao2.pptx
@@ -5,16 +5,17 @@
     <p:sldMasterId id="2147483648" r:id="rId1"/>
   </p:sldMasterIdLst>
   <p:notesMasterIdLst>
-    <p:notesMasterId r:id="rId9"/>
+    <p:notesMasterId r:id="rId10"/>
   </p:notesMasterIdLst>
   <p:sldIdLst>
     <p:sldId id="256" r:id="rId2"/>
     <p:sldId id="258" r:id="rId3"/>
     <p:sldId id="272" r:id="rId4"/>
     <p:sldId id="273" r:id="rId5"/>
-    <p:sldId id="271" r:id="rId6"/>
-    <p:sldId id="274" r:id="rId7"/>
-    <p:sldId id="275" r:id="rId8"/>
+    <p:sldId id="276" r:id="rId6"/>
+    <p:sldId id="271" r:id="rId7"/>
+    <p:sldId id="274" r:id="rId8"/>
+    <p:sldId id="275" r:id="rId9"/>
   </p:sldIdLst>
   <p:sldSz cx="9144000" cy="6858000" type="screen4x3"/>
   <p:notesSz cx="7102475" cy="10234613"/>
@@ -728,7 +729,7 @@
           <a:bodyPr lIns="99000" tIns="49680" rIns="99000" bIns="49680"/>
           <a:lstStyle/>
           <a:p>
-            <a:endParaRPr lang="en-US" sz="2000" b="0" strike="noStrike" spc="-1">
+            <a:endParaRPr lang="en-US" sz="2000" b="0" strike="noStrike" spc="-1" dirty="0">
               <a:latin typeface="Arial"/>
             </a:endParaRPr>
           </a:p>
@@ -880,7 +881,7 @@
     </p:spTree>
     <p:extLst>
       <p:ext uri="{BB962C8B-B14F-4D97-AF65-F5344CB8AC3E}">
-        <p14:creationId xmlns:p14="http://schemas.microsoft.com/office/powerpoint/2010/main" val="1229695637"/>
+        <p14:creationId xmlns:p14="http://schemas.microsoft.com/office/powerpoint/2010/main" val="863191628"/>
       </p:ext>
     </p:extLst>
   </p:cSld>
@@ -991,6 +992,117 @@
     </p:spTree>
     <p:extLst>
       <p:ext uri="{BB962C8B-B14F-4D97-AF65-F5344CB8AC3E}">
+        <p14:creationId xmlns:p14="http://schemas.microsoft.com/office/powerpoint/2010/main" val="1229695637"/>
+      </p:ext>
+    </p:extLst>
+  </p:cSld>
+  <p:clrMapOvr>
+    <a:masterClrMapping/>
+  </p:clrMapOvr>
+</p:notes>
+</file>
+
+<file path=ppt/notesSlides/notesSlide7.xml><?xml version="1.0" encoding="utf-8"?>
+<p:notes xmlns:a="http://schemas.openxmlformats.org/drawingml/2006/main" xmlns:r="http://schemas.openxmlformats.org/officeDocument/2006/relationships" xmlns:p="http://schemas.openxmlformats.org/presentationml/2006/main">
+  <p:cSld>
+    <p:spTree>
+      <p:nvGrpSpPr>
+        <p:cNvPr id="1" name=""/>
+        <p:cNvGrpSpPr/>
+        <p:nvPr/>
+      </p:nvGrpSpPr>
+      <p:grpSpPr>
+        <a:xfrm>
+          <a:off x="0" y="0"/>
+          <a:ext cx="0" cy="0"/>
+          <a:chOff x="0" y="0"/>
+          <a:chExt cx="0" cy="0"/>
+        </a:xfrm>
+      </p:grpSpPr>
+      <p:sp>
+        <p:nvSpPr>
+          <p:cNvPr id="155" name="PlaceHolder 1"/>
+          <p:cNvSpPr>
+            <a:spLocks noGrp="1" noRot="1" noChangeAspect="1"/>
+          </p:cNvSpPr>
+          <p:nvPr>
+            <p:ph type="sldImg"/>
+          </p:nvPr>
+        </p:nvSpPr>
+        <p:spPr>
+          <a:xfrm>
+            <a:off x="993775" y="768350"/>
+            <a:ext cx="5113338" cy="3835400"/>
+          </a:xfrm>
+          <a:prstGeom prst="rect">
+            <a:avLst/>
+          </a:prstGeom>
+        </p:spPr>
+      </p:sp>
+      <p:sp>
+        <p:nvSpPr>
+          <p:cNvPr id="156" name="PlaceHolder 2"/>
+          <p:cNvSpPr>
+            <a:spLocks noGrp="1"/>
+          </p:cNvSpPr>
+          <p:nvPr>
+            <p:ph type="body"/>
+          </p:nvPr>
+        </p:nvSpPr>
+        <p:spPr>
+          <a:xfrm>
+            <a:off x="709560" y="4861080"/>
+            <a:ext cx="5680800" cy="4602960"/>
+          </a:xfrm>
+          <a:prstGeom prst="rect">
+            <a:avLst/>
+          </a:prstGeom>
+        </p:spPr>
+        <p:txBody>
+          <a:bodyPr lIns="99000" tIns="49680" rIns="99000" bIns="49680"/>
+          <a:lstStyle/>
+          <a:p>
+            <a:endParaRPr lang="en-US" sz="2000" b="0" strike="noStrike" spc="-1">
+              <a:latin typeface="Arial"/>
+            </a:endParaRPr>
+          </a:p>
+        </p:txBody>
+      </p:sp>
+      <p:sp>
+        <p:nvSpPr>
+          <p:cNvPr id="157" name="CustomShape 3"/>
+          <p:cNvSpPr/>
+          <p:nvPr/>
+        </p:nvSpPr>
+        <p:spPr>
+          <a:xfrm>
+            <a:off x="4022640" y="9721800"/>
+            <a:ext cx="3075480" cy="508680"/>
+          </a:xfrm>
+          <a:prstGeom prst="rect">
+            <a:avLst/>
+          </a:prstGeom>
+          <a:noFill/>
+          <a:ln>
+            <a:noFill/>
+          </a:ln>
+        </p:spPr>
+        <p:style>
+          <a:lnRef idx="0">
+            <a:srgbClr val="FFFFFF"/>
+          </a:lnRef>
+          <a:fillRef idx="0">
+            <a:srgbClr val="FFFFFF"/>
+          </a:fillRef>
+          <a:effectRef idx="0">
+            <a:srgbClr val="FFFFFF"/>
+          </a:effectRef>
+          <a:fontRef idx="minor"/>
+        </p:style>
+      </p:sp>
+    </p:spTree>
+    <p:extLst>
+      <p:ext uri="{BB962C8B-B14F-4D97-AF65-F5344CB8AC3E}">
         <p14:creationId xmlns:p14="http://schemas.microsoft.com/office/powerpoint/2010/main" val="3370161018"/>
       </p:ext>
     </p:extLst>
@@ -1001,7 +1113,7 @@
 </p:notes>
 </file>
 
-<file path=ppt/notesSlides/notesSlide7.xml><?xml version="1.0" encoding="utf-8"?>
+<file path=ppt/notesSlides/notesSlide8.xml><?xml version="1.0" encoding="utf-8"?>
 <p:notes xmlns:a="http://schemas.openxmlformats.org/drawingml/2006/main" xmlns:r="http://schemas.openxmlformats.org/officeDocument/2006/relationships" xmlns:p="http://schemas.openxmlformats.org/presentationml/2006/main">
   <p:cSld>
     <p:spTree>
@@ -4354,6 +4466,12 @@
               <a:rPr kumimoji="1" lang="it-IT" altLang="ja-JP" dirty="0"/>
               <a:t>2. Dùng file requirements.txt cũ</a:t>
             </a:r>
+          </a:p>
+          <a:p>
+            <a:r>
+              <a:rPr kumimoji="1" lang="it-IT" altLang="ja-JP" dirty="0"/>
+              <a:t>     Cài lại với file requirements.txt trong folder server</a:t>
+            </a:r>
             <a:endParaRPr kumimoji="1" lang="en-US" altLang="ja-JP" dirty="0"/>
           </a:p>
         </p:txBody>
@@ -5841,164 +5959,174 @@
               </a:spcBef>
             </a:pPr>
             <a:r>
-              <a:rPr lang="" sz="2400" b="0" strike="noStrike" spc="-1" dirty="0">
+              <a:rPr lang="" sz="2400" spc="-1" dirty="0">
                 <a:solidFill>
                   <a:srgbClr val="000000"/>
                 </a:solidFill>
                 <a:latin typeface="Meiryo UI"/>
                 <a:ea typeface="Meiryo UI"/>
               </a:rPr>
-              <a:t>2</a:t>
-            </a:r>
-            <a:r>
-              <a:rPr lang="en-US" sz="2400" b="0" strike="noStrike" spc="-1" dirty="0">
+              <a:t>1</a:t>
+            </a:r>
+            <a:r>
+              <a:rPr lang="en-US" sz="2400" spc="-1" dirty="0">
                 <a:solidFill>
                   <a:srgbClr val="000000"/>
                 </a:solidFill>
                 <a:latin typeface="Meiryo UI"/>
                 <a:ea typeface="Meiryo UI"/>
               </a:rPr>
-              <a:t>.</a:t>
-            </a:r>
-            <a:r>
-              <a:rPr lang="ja-JP" altLang="en-US" sz="2400" b="0" strike="noStrike" spc="-1" dirty="0">
+              <a:t>. Keyword </a:t>
+            </a:r>
+            <a:r>
+              <a:rPr lang="en-US" sz="2400" spc="-1" dirty="0" err="1">
                 <a:solidFill>
                   <a:srgbClr val="000000"/>
                 </a:solidFill>
                 <a:latin typeface="Meiryo UI"/>
                 <a:ea typeface="Meiryo UI"/>
               </a:rPr>
-              <a:t>　</a:t>
-            </a:r>
-            <a:r>
-              <a:rPr lang="en-US" altLang="ja-JP" sz="2400" b="0" strike="noStrike" spc="-1" dirty="0" err="1">
+              <a:t>tìm</a:t>
+            </a:r>
+            <a:r>
+              <a:rPr lang="en-US" sz="2400" spc="-1" dirty="0">
                 <a:solidFill>
                   <a:srgbClr val="000000"/>
                 </a:solidFill>
                 <a:latin typeface="Meiryo UI"/>
                 <a:ea typeface="Meiryo UI"/>
               </a:rPr>
-              <a:t>Tạo</a:t>
-            </a:r>
-            <a:r>
-              <a:rPr lang="en-US" altLang="ja-JP" sz="2400" b="0" strike="noStrike" spc="-1" dirty="0">
+              <a:t> </a:t>
+            </a:r>
+            <a:r>
+              <a:rPr lang="en-US" sz="2400" spc="-1" dirty="0" err="1">
                 <a:solidFill>
                   <a:srgbClr val="000000"/>
                 </a:solidFill>
                 <a:latin typeface="Meiryo UI"/>
                 <a:ea typeface="Meiryo UI"/>
               </a:rPr>
-              <a:t> database </a:t>
-            </a:r>
-            <a:r>
-              <a:rPr lang="en-US" altLang="ja-JP" sz="2400" b="0" strike="noStrike" spc="-1" dirty="0" err="1">
+              <a:t>hiểu</a:t>
+            </a:r>
+            <a:r>
+              <a:rPr lang="en-US" sz="2400" spc="-1" dirty="0">
                 <a:solidFill>
                   <a:srgbClr val="000000"/>
                 </a:solidFill>
                 <a:latin typeface="Meiryo UI"/>
                 <a:ea typeface="Meiryo UI"/>
               </a:rPr>
-              <a:t>để</a:t>
-            </a:r>
-            <a:r>
-              <a:rPr lang="en-US" altLang="ja-JP" sz="2400" b="0" strike="noStrike" spc="-1" dirty="0">
+              <a:t> </a:t>
+            </a:r>
+            <a:r>
+              <a:rPr lang="en-US" sz="2400" spc="-1" dirty="0" err="1">
                 <a:solidFill>
                   <a:srgbClr val="000000"/>
                 </a:solidFill>
                 <a:latin typeface="Meiryo UI"/>
                 <a:ea typeface="Meiryo UI"/>
               </a:rPr>
-              <a:t> test </a:t>
-            </a:r>
-            <a:r>
-              <a:rPr lang="en-US" altLang="ja-JP" sz="2400" b="0" strike="noStrike" spc="-1" dirty="0" err="1">
+              <a:t>thêm</a:t>
+            </a:r>
+            <a:r>
+              <a:rPr lang="en-US" sz="2400" spc="-1" dirty="0">
                 <a:solidFill>
                   <a:srgbClr val="000000"/>
                 </a:solidFill>
                 <a:latin typeface="Meiryo UI"/>
                 <a:ea typeface="Meiryo UI"/>
               </a:rPr>
-              <a:t>với</a:t>
-            </a:r>
-            <a:r>
-              <a:rPr lang="en-US" altLang="ja-JP" sz="2400" b="0" strike="noStrike" spc="-1" dirty="0">
+              <a:t> </a:t>
+            </a:r>
+            <a:r>
+              <a:rPr lang="en-US" sz="2400" spc="-1" dirty="0" err="1">
                 <a:solidFill>
                   <a:srgbClr val="000000"/>
                 </a:solidFill>
                 <a:latin typeface="Meiryo UI"/>
                 <a:ea typeface="Meiryo UI"/>
               </a:rPr>
-              <a:t> </a:t>
-            </a:r>
-            <a:r>
-              <a:rPr lang="en-US" altLang="ja-JP" sz="2400" b="0" strike="noStrike" spc="-1" dirty="0" err="1">
+              <a:t>về</a:t>
+            </a:r>
+            <a:r>
+              <a:rPr lang="en-US" sz="2400" spc="-1" dirty="0">
                 <a:solidFill>
                   <a:srgbClr val="000000"/>
                 </a:solidFill>
                 <a:latin typeface="Meiryo UI"/>
                 <a:ea typeface="Meiryo UI"/>
               </a:rPr>
-              <a:t>dữ</a:t>
-            </a:r>
-            <a:r>
-              <a:rPr lang="en-US" altLang="ja-JP" sz="2400" b="0" strike="noStrike" spc="-1" dirty="0">
+              <a:t> </a:t>
+            </a:r>
+            <a:r>
+              <a:rPr lang="en-US" sz="2400" spc="-1" dirty="0" err="1">
                 <a:solidFill>
                   <a:srgbClr val="000000"/>
                 </a:solidFill>
                 <a:latin typeface="Meiryo UI"/>
                 <a:ea typeface="Meiryo UI"/>
               </a:rPr>
-              <a:t> </a:t>
-            </a:r>
-            <a:r>
-              <a:rPr lang="en-US" altLang="ja-JP" sz="2400" b="0" strike="noStrike" spc="-1" dirty="0" err="1">
+              <a:t>đóng</a:t>
+            </a:r>
+            <a:r>
+              <a:rPr lang="en-US" sz="2400" spc="-1" dirty="0">
                 <a:solidFill>
                   <a:srgbClr val="000000"/>
                 </a:solidFill>
                 <a:latin typeface="Meiryo UI"/>
                 <a:ea typeface="Meiryo UI"/>
               </a:rPr>
-              <a:t>liệu</a:t>
-            </a:r>
-            <a:r>
-              <a:rPr lang="en-US" altLang="ja-JP" sz="2400" b="0" strike="noStrike" spc="-1" dirty="0">
+              <a:t> </a:t>
+            </a:r>
+            <a:r>
+              <a:rPr lang="en-US" sz="2400" spc="-1" dirty="0" err="1">
                 <a:solidFill>
                   <a:srgbClr val="000000"/>
                 </a:solidFill>
                 <a:latin typeface="Meiryo UI"/>
                 <a:ea typeface="Meiryo UI"/>
               </a:rPr>
-              <a:t> </a:t>
-            </a:r>
-            <a:r>
-              <a:rPr lang="en-US" altLang="ja-JP" sz="2400" b="0" strike="noStrike" spc="-1" dirty="0" err="1">
+              <a:t>gói</a:t>
+            </a:r>
+            <a:r>
+              <a:rPr lang="en-US" sz="2400" spc="-1" dirty="0">
                 <a:solidFill>
                   <a:srgbClr val="000000"/>
                 </a:solidFill>
                 <a:latin typeface="Meiryo UI"/>
                 <a:ea typeface="Meiryo UI"/>
               </a:rPr>
-              <a:t>của</a:t>
-            </a:r>
-            <a:r>
-              <a:rPr lang="en-US" altLang="ja-JP" sz="2400" b="0" strike="noStrike" spc="-1" dirty="0">
+              <a:t> </a:t>
+            </a:r>
+            <a:r>
+              <a:rPr lang="en-US" sz="2400" spc="-1" dirty="0" err="1">
                 <a:solidFill>
                   <a:srgbClr val="000000"/>
                 </a:solidFill>
                 <a:latin typeface="Meiryo UI"/>
                 <a:ea typeface="Meiryo UI"/>
               </a:rPr>
-              <a:t> </a:t>
-            </a:r>
-            <a:r>
-              <a:rPr lang="en-US" altLang="ja-JP" sz="2400" b="0" strike="noStrike" spc="-1" dirty="0" err="1">
+              <a:t>chương</a:t>
+            </a:r>
+            <a:r>
+              <a:rPr lang="en-US" sz="2400" spc="-1" dirty="0">
                 <a:solidFill>
                   <a:srgbClr val="000000"/>
                 </a:solidFill>
                 <a:latin typeface="Meiryo UI"/>
                 <a:ea typeface="Meiryo UI"/>
               </a:rPr>
-              <a:t>mình</a:t>
+              <a:t> </a:t>
+            </a:r>
+            <a:r>
+              <a:rPr lang="en-US" sz="2400" spc="-1" dirty="0" err="1">
+                <a:solidFill>
+                  <a:srgbClr val="000000"/>
+                </a:solidFill>
+                <a:latin typeface="Meiryo UI"/>
+                <a:ea typeface="Meiryo UI"/>
+              </a:rPr>
+              <a:t>trình</a:t>
             </a:r>
             <a:endParaRPr lang="en-US" sz="2400" b="0" strike="noStrike" spc="-1" dirty="0">
               <a:latin typeface="Arial"/>
@@ -6108,412 +6236,10 @@
       </p:sp>
       <p:sp>
         <p:nvSpPr>
-          <p:cNvPr id="3" name="フローチャート: 代替処理 2">
+          <p:cNvPr id="2" name="テキスト ボックス 1">
             <a:extLst>
               <a:ext uri="{FF2B5EF4-FFF2-40B4-BE49-F238E27FC236}">
-                <a16:creationId xmlns:a16="http://schemas.microsoft.com/office/drawing/2014/main" id="{8BFA6B1C-846D-41F7-840A-2A6E5DCB8D5C}"/>
-              </a:ext>
-            </a:extLst>
-          </p:cNvPr>
-          <p:cNvSpPr/>
-          <p:nvPr/>
-        </p:nvSpPr>
-        <p:spPr>
-          <a:xfrm>
-            <a:off x="1823100" y="930303"/>
-            <a:ext cx="5353235" cy="861134"/>
-          </a:xfrm>
-          <a:prstGeom prst="flowChartAlternateProcess">
-            <a:avLst/>
-          </a:prstGeom>
-        </p:spPr>
-        <p:style>
-          <a:lnRef idx="2">
-            <a:schemeClr val="accent2"/>
-          </a:lnRef>
-          <a:fillRef idx="1">
-            <a:schemeClr val="lt1"/>
-          </a:fillRef>
-          <a:effectRef idx="0">
-            <a:schemeClr val="accent2"/>
-          </a:effectRef>
-          <a:fontRef idx="minor">
-            <a:schemeClr val="dk1"/>
-          </a:fontRef>
-        </p:style>
-        <p:txBody>
-          <a:bodyPr rtlCol="0" anchor="ctr"/>
-          <a:lstStyle/>
-          <a:p>
-            <a:pPr algn="ctr"/>
-            <a:r>
-              <a:rPr kumimoji="1" lang="en-US" altLang="ja-JP" dirty="0" err="1"/>
-              <a:t>Tạo</a:t>
-            </a:r>
-            <a:r>
-              <a:rPr kumimoji="1" lang="en-US" altLang="ja-JP" dirty="0"/>
-              <a:t> account </a:t>
-            </a:r>
-            <a:r>
-              <a:rPr kumimoji="1" lang="en-US" altLang="ja-JP" dirty="0" err="1"/>
-              <a:t>với</a:t>
-            </a:r>
-            <a:r>
-              <a:rPr kumimoji="1" lang="en-US" altLang="ja-JP" dirty="0"/>
-              <a:t> </a:t>
-            </a:r>
-          </a:p>
-          <a:p>
-            <a:pPr algn="ctr"/>
-            <a:r>
-              <a:rPr kumimoji="1" lang="en-US" altLang="ja-JP" dirty="0"/>
-              <a:t>https://www.mongodb.com/cloud/atlas</a:t>
-            </a:r>
-            <a:endParaRPr kumimoji="1" lang="ja-JP" altLang="en-US" dirty="0"/>
-          </a:p>
-        </p:txBody>
-      </p:sp>
-      <p:sp>
-        <p:nvSpPr>
-          <p:cNvPr id="4" name="フローチャート: 代替処理 3">
-            <a:extLst>
-              <a:ext uri="{FF2B5EF4-FFF2-40B4-BE49-F238E27FC236}">
-                <a16:creationId xmlns:a16="http://schemas.microsoft.com/office/drawing/2014/main" id="{2C731FE0-5DD6-4966-A940-966E8F071CCB}"/>
-              </a:ext>
-            </a:extLst>
-          </p:cNvPr>
-          <p:cNvSpPr/>
-          <p:nvPr/>
-        </p:nvSpPr>
-        <p:spPr>
-          <a:xfrm>
-            <a:off x="1823099" y="2210590"/>
-            <a:ext cx="5353235" cy="721026"/>
-          </a:xfrm>
-          <a:prstGeom prst="flowChartAlternateProcess">
-            <a:avLst/>
-          </a:prstGeom>
-        </p:spPr>
-        <p:style>
-          <a:lnRef idx="2">
-            <a:schemeClr val="accent2"/>
-          </a:lnRef>
-          <a:fillRef idx="1">
-            <a:schemeClr val="lt1"/>
-          </a:fillRef>
-          <a:effectRef idx="0">
-            <a:schemeClr val="accent2"/>
-          </a:effectRef>
-          <a:fontRef idx="minor">
-            <a:schemeClr val="dk1"/>
-          </a:fontRef>
-        </p:style>
-        <p:txBody>
-          <a:bodyPr rtlCol="0" anchor="ctr"/>
-          <a:lstStyle/>
-          <a:p>
-            <a:pPr algn="ctr"/>
-            <a:r>
-              <a:rPr kumimoji="1" lang="en-US" altLang="ja-JP" dirty="0" err="1"/>
-              <a:t>Tạo</a:t>
-            </a:r>
-            <a:r>
-              <a:rPr kumimoji="1" lang="en-US" altLang="ja-JP" dirty="0"/>
-              <a:t> database </a:t>
-            </a:r>
-            <a:r>
-              <a:rPr kumimoji="1" lang="en-US" altLang="ja-JP" dirty="0" err="1"/>
-              <a:t>mới</a:t>
-            </a:r>
-            <a:endParaRPr kumimoji="1" lang="en-US" altLang="ja-JP" dirty="0"/>
-          </a:p>
-          <a:p>
-            <a:pPr algn="ctr"/>
-            <a:r>
-              <a:rPr kumimoji="1" lang="en-US" altLang="ja-JP" dirty="0" err="1"/>
-              <a:t>Ví</a:t>
-            </a:r>
-            <a:r>
-              <a:rPr kumimoji="1" lang="en-US" altLang="ja-JP" dirty="0"/>
-              <a:t> </a:t>
-            </a:r>
-            <a:r>
-              <a:rPr kumimoji="1" lang="en-US" altLang="ja-JP" dirty="0" err="1"/>
-              <a:t>dụ</a:t>
-            </a:r>
-            <a:r>
-              <a:rPr kumimoji="1" lang="en-US" altLang="ja-JP" dirty="0"/>
-              <a:t>: </a:t>
-            </a:r>
-            <a:r>
-              <a:rPr kumimoji="1" lang="en-US" altLang="ja-JP" dirty="0" err="1"/>
-              <a:t>FaceContest</a:t>
-            </a:r>
-            <a:endParaRPr kumimoji="1" lang="en-US" altLang="ja-JP" dirty="0"/>
-          </a:p>
-        </p:txBody>
-      </p:sp>
-      <p:sp>
-        <p:nvSpPr>
-          <p:cNvPr id="5" name="フローチャート: 代替処理 4">
-            <a:extLst>
-              <a:ext uri="{FF2B5EF4-FFF2-40B4-BE49-F238E27FC236}">
-                <a16:creationId xmlns:a16="http://schemas.microsoft.com/office/drawing/2014/main" id="{EBAEE055-054C-444A-B98F-1DD120CBC749}"/>
-              </a:ext>
-            </a:extLst>
-          </p:cNvPr>
-          <p:cNvSpPr/>
-          <p:nvPr/>
-        </p:nvSpPr>
-        <p:spPr>
-          <a:xfrm>
-            <a:off x="1823100" y="3421871"/>
-            <a:ext cx="5353235" cy="721026"/>
-          </a:xfrm>
-          <a:prstGeom prst="flowChartAlternateProcess">
-            <a:avLst/>
-          </a:prstGeom>
-        </p:spPr>
-        <p:style>
-          <a:lnRef idx="2">
-            <a:schemeClr val="accent2"/>
-          </a:lnRef>
-          <a:fillRef idx="1">
-            <a:schemeClr val="lt1"/>
-          </a:fillRef>
-          <a:effectRef idx="0">
-            <a:schemeClr val="accent2"/>
-          </a:effectRef>
-          <a:fontRef idx="minor">
-            <a:schemeClr val="dk1"/>
-          </a:fontRef>
-        </p:style>
-        <p:txBody>
-          <a:bodyPr rtlCol="0" anchor="ctr"/>
-          <a:lstStyle/>
-          <a:p>
-            <a:pPr algn="ctr"/>
-            <a:r>
-              <a:rPr kumimoji="1" lang="en-US" altLang="ja-JP" dirty="0" err="1"/>
-              <a:t>Tạo</a:t>
-            </a:r>
-            <a:r>
-              <a:rPr kumimoji="1" lang="en-US" altLang="ja-JP" dirty="0"/>
-              <a:t> 3 collections</a:t>
-            </a:r>
-          </a:p>
-          <a:p>
-            <a:pPr algn="ctr"/>
-            <a:r>
-              <a:rPr kumimoji="1" lang="en-US" altLang="ja-JP" dirty="0"/>
-              <a:t>staff, encode, feedback</a:t>
-            </a:r>
-          </a:p>
-        </p:txBody>
-      </p:sp>
-      <p:sp>
-        <p:nvSpPr>
-          <p:cNvPr id="6" name="フローチャート: 代替処理 5">
-            <a:extLst>
-              <a:ext uri="{FF2B5EF4-FFF2-40B4-BE49-F238E27FC236}">
-                <a16:creationId xmlns:a16="http://schemas.microsoft.com/office/drawing/2014/main" id="{C122F0D2-B883-4B4F-8068-9DBB94AD1237}"/>
-              </a:ext>
-            </a:extLst>
-          </p:cNvPr>
-          <p:cNvSpPr/>
-          <p:nvPr/>
-        </p:nvSpPr>
-        <p:spPr>
-          <a:xfrm>
-            <a:off x="1823100" y="4605903"/>
-            <a:ext cx="5353235" cy="506157"/>
-          </a:xfrm>
-          <a:prstGeom prst="flowChartAlternateProcess">
-            <a:avLst/>
-          </a:prstGeom>
-        </p:spPr>
-        <p:style>
-          <a:lnRef idx="2">
-            <a:schemeClr val="accent2"/>
-          </a:lnRef>
-          <a:fillRef idx="1">
-            <a:schemeClr val="lt1"/>
-          </a:fillRef>
-          <a:effectRef idx="0">
-            <a:schemeClr val="accent2"/>
-          </a:effectRef>
-          <a:fontRef idx="minor">
-            <a:schemeClr val="dk1"/>
-          </a:fontRef>
-        </p:style>
-        <p:txBody>
-          <a:bodyPr rtlCol="0" anchor="ctr"/>
-          <a:lstStyle/>
-          <a:p>
-            <a:pPr algn="ctr"/>
-            <a:r>
-              <a:rPr kumimoji="1" lang="en-US" altLang="ja-JP" dirty="0" err="1"/>
-              <a:t>Tạo</a:t>
-            </a:r>
-            <a:r>
-              <a:rPr kumimoji="1" lang="en-US" altLang="ja-JP" dirty="0"/>
-              <a:t> documents </a:t>
-            </a:r>
-            <a:r>
-              <a:rPr kumimoji="1" lang="en-US" altLang="ja-JP" dirty="0" err="1"/>
-              <a:t>cho</a:t>
-            </a:r>
-            <a:r>
-              <a:rPr kumimoji="1" lang="en-US" altLang="ja-JP" dirty="0"/>
-              <a:t> collection staff</a:t>
-            </a:r>
-          </a:p>
-        </p:txBody>
-      </p:sp>
-      <p:sp>
-        <p:nvSpPr>
-          <p:cNvPr id="7" name="矢印: 下 6">
-            <a:extLst>
-              <a:ext uri="{FF2B5EF4-FFF2-40B4-BE49-F238E27FC236}">
-                <a16:creationId xmlns:a16="http://schemas.microsoft.com/office/drawing/2014/main" id="{E4BE3C06-5059-4F22-88B5-4FE3983417BA}"/>
-              </a:ext>
-            </a:extLst>
-          </p:cNvPr>
-          <p:cNvSpPr/>
-          <p:nvPr/>
-        </p:nvSpPr>
-        <p:spPr>
-          <a:xfrm>
-            <a:off x="4097991" y="1862506"/>
-            <a:ext cx="803450" cy="284000"/>
-          </a:xfrm>
-          <a:prstGeom prst="downArrow">
-            <a:avLst/>
-          </a:prstGeom>
-        </p:spPr>
-        <p:style>
-          <a:lnRef idx="2">
-            <a:schemeClr val="accent1">
-              <a:shade val="50000"/>
-            </a:schemeClr>
-          </a:lnRef>
-          <a:fillRef idx="1">
-            <a:schemeClr val="accent1"/>
-          </a:fillRef>
-          <a:effectRef idx="0">
-            <a:schemeClr val="accent1"/>
-          </a:effectRef>
-          <a:fontRef idx="minor">
-            <a:schemeClr val="lt1"/>
-          </a:fontRef>
-        </p:style>
-        <p:txBody>
-          <a:bodyPr rtlCol="0" anchor="ctr"/>
-          <a:lstStyle/>
-          <a:p>
-            <a:pPr algn="ctr"/>
-            <a:endParaRPr kumimoji="1" lang="ja-JP" altLang="en-US"/>
-          </a:p>
-        </p:txBody>
-      </p:sp>
-      <p:sp>
-        <p:nvSpPr>
-          <p:cNvPr id="8" name="矢印: 下 7">
-            <a:extLst>
-              <a:ext uri="{FF2B5EF4-FFF2-40B4-BE49-F238E27FC236}">
-                <a16:creationId xmlns:a16="http://schemas.microsoft.com/office/drawing/2014/main" id="{F0FB84FE-284A-4C7D-A526-A4C5398CA72D}"/>
-              </a:ext>
-            </a:extLst>
-          </p:cNvPr>
-          <p:cNvSpPr/>
-          <p:nvPr/>
-        </p:nvSpPr>
-        <p:spPr>
-          <a:xfrm>
-            <a:off x="4097991" y="3066769"/>
-            <a:ext cx="803450" cy="284000"/>
-          </a:xfrm>
-          <a:prstGeom prst="downArrow">
-            <a:avLst/>
-          </a:prstGeom>
-        </p:spPr>
-        <p:style>
-          <a:lnRef idx="2">
-            <a:schemeClr val="accent1">
-              <a:shade val="50000"/>
-            </a:schemeClr>
-          </a:lnRef>
-          <a:fillRef idx="1">
-            <a:schemeClr val="accent1"/>
-          </a:fillRef>
-          <a:effectRef idx="0">
-            <a:schemeClr val="accent1"/>
-          </a:effectRef>
-          <a:fontRef idx="minor">
-            <a:schemeClr val="lt1"/>
-          </a:fontRef>
-        </p:style>
-        <p:txBody>
-          <a:bodyPr rtlCol="0" anchor="ctr"/>
-          <a:lstStyle/>
-          <a:p>
-            <a:pPr algn="ctr"/>
-            <a:endParaRPr kumimoji="1" lang="ja-JP" altLang="en-US"/>
-          </a:p>
-        </p:txBody>
-      </p:sp>
-      <p:sp>
-        <p:nvSpPr>
-          <p:cNvPr id="9" name="矢印: 下 8">
-            <a:extLst>
-              <a:ext uri="{FF2B5EF4-FFF2-40B4-BE49-F238E27FC236}">
-                <a16:creationId xmlns:a16="http://schemas.microsoft.com/office/drawing/2014/main" id="{B8C8890A-2F84-45BA-B3EB-C62ABBA7D75D}"/>
-              </a:ext>
-            </a:extLst>
-          </p:cNvPr>
-          <p:cNvSpPr/>
-          <p:nvPr/>
-        </p:nvSpPr>
-        <p:spPr>
-          <a:xfrm>
-            <a:off x="4069128" y="4232400"/>
-            <a:ext cx="803450" cy="284000"/>
-          </a:xfrm>
-          <a:prstGeom prst="downArrow">
-            <a:avLst/>
-          </a:prstGeom>
-        </p:spPr>
-        <p:style>
-          <a:lnRef idx="2">
-            <a:schemeClr val="accent1">
-              <a:shade val="50000"/>
-            </a:schemeClr>
-          </a:lnRef>
-          <a:fillRef idx="1">
-            <a:schemeClr val="accent1"/>
-          </a:fillRef>
-          <a:effectRef idx="0">
-            <a:schemeClr val="accent1"/>
-          </a:effectRef>
-          <a:fontRef idx="minor">
-            <a:schemeClr val="lt1"/>
-          </a:fontRef>
-        </p:style>
-        <p:txBody>
-          <a:bodyPr rtlCol="0" anchor="ctr"/>
-          <a:lstStyle/>
-          <a:p>
-            <a:pPr algn="ctr"/>
-            <a:endParaRPr kumimoji="1" lang="ja-JP" altLang="en-US"/>
-          </a:p>
-        </p:txBody>
-      </p:sp>
-      <p:sp>
-        <p:nvSpPr>
-          <p:cNvPr id="10" name="テキスト ボックス 9">
-            <a:extLst>
-              <a:ext uri="{FF2B5EF4-FFF2-40B4-BE49-F238E27FC236}">
-                <a16:creationId xmlns:a16="http://schemas.microsoft.com/office/drawing/2014/main" id="{6E68DD23-7943-4250-9AF0-8305CA6B027C}"/>
+                <a16:creationId xmlns:a16="http://schemas.microsoft.com/office/drawing/2014/main" id="{F7DCC849-B2E1-4022-9F9D-0837D4C04FAF}"/>
               </a:ext>
             </a:extLst>
           </p:cNvPr>
@@ -6522,8 +6248,8 @@
         </p:nvSpPr>
         <p:spPr>
           <a:xfrm>
-            <a:off x="889864" y="1120404"/>
-            <a:ext cx="415498" cy="369332"/>
+            <a:off x="347390" y="1038687"/>
+            <a:ext cx="1268346" cy="369332"/>
           </a:xfrm>
           <a:prstGeom prst="rect">
             <a:avLst/>
@@ -6531,311 +6257,23 @@
           <a:noFill/>
         </p:spPr>
         <p:txBody>
-          <a:bodyPr wrap="none" rtlCol="0">
+          <a:bodyPr wrap="square" rtlCol="0">
             <a:spAutoFit/>
           </a:bodyPr>
           <a:lstStyle/>
           <a:p>
             <a:r>
-              <a:rPr kumimoji="1" lang="ja-JP" altLang="en-US" dirty="0"/>
-              <a:t>①</a:t>
-            </a:r>
-          </a:p>
-        </p:txBody>
-      </p:sp>
-      <p:sp>
-        <p:nvSpPr>
-          <p:cNvPr id="11" name="テキスト ボックス 10">
-            <a:extLst>
-              <a:ext uri="{FF2B5EF4-FFF2-40B4-BE49-F238E27FC236}">
-                <a16:creationId xmlns:a16="http://schemas.microsoft.com/office/drawing/2014/main" id="{EEA2F5BF-0FBC-4095-907B-6FDB02B8EBAB}"/>
-              </a:ext>
-            </a:extLst>
-          </p:cNvPr>
-          <p:cNvSpPr txBox="1"/>
-          <p:nvPr/>
-        </p:nvSpPr>
-        <p:spPr>
-          <a:xfrm>
-            <a:off x="913652" y="2528411"/>
-            <a:ext cx="415498" cy="369332"/>
-          </a:xfrm>
-          <a:prstGeom prst="rect">
-            <a:avLst/>
-          </a:prstGeom>
-          <a:noFill/>
-        </p:spPr>
-        <p:txBody>
-          <a:bodyPr wrap="none" rtlCol="0">
-            <a:spAutoFit/>
-          </a:bodyPr>
-          <a:lstStyle/>
-          <a:p>
-            <a:r>
-              <a:rPr kumimoji="1" lang="ja-JP" altLang="en-US" dirty="0"/>
-              <a:t>②</a:t>
-            </a:r>
-          </a:p>
-        </p:txBody>
-      </p:sp>
-      <p:sp>
-        <p:nvSpPr>
-          <p:cNvPr id="15" name="テキスト ボックス 14">
-            <a:extLst>
-              <a:ext uri="{FF2B5EF4-FFF2-40B4-BE49-F238E27FC236}">
-                <a16:creationId xmlns:a16="http://schemas.microsoft.com/office/drawing/2014/main" id="{0DC2A220-984B-4438-8947-403CB4AFE800}"/>
-              </a:ext>
-            </a:extLst>
-          </p:cNvPr>
-          <p:cNvSpPr txBox="1"/>
-          <p:nvPr/>
-        </p:nvSpPr>
-        <p:spPr>
-          <a:xfrm>
-            <a:off x="954823" y="3631591"/>
-            <a:ext cx="415498" cy="369332"/>
-          </a:xfrm>
-          <a:prstGeom prst="rect">
-            <a:avLst/>
-          </a:prstGeom>
-          <a:noFill/>
-        </p:spPr>
-        <p:txBody>
-          <a:bodyPr wrap="none" rtlCol="0">
-            <a:spAutoFit/>
-          </a:bodyPr>
-          <a:lstStyle/>
-          <a:p>
-            <a:r>
-              <a:rPr kumimoji="1" lang="ja-JP" altLang="en-US" dirty="0"/>
-              <a:t>③</a:t>
-            </a:r>
-          </a:p>
-        </p:txBody>
-      </p:sp>
-      <p:sp>
-        <p:nvSpPr>
-          <p:cNvPr id="17" name="テキスト ボックス 16">
-            <a:extLst>
-              <a:ext uri="{FF2B5EF4-FFF2-40B4-BE49-F238E27FC236}">
-                <a16:creationId xmlns:a16="http://schemas.microsoft.com/office/drawing/2014/main" id="{E48273D6-A461-460C-AA32-50AA96D8E329}"/>
-              </a:ext>
-            </a:extLst>
-          </p:cNvPr>
-          <p:cNvSpPr txBox="1"/>
-          <p:nvPr/>
-        </p:nvSpPr>
-        <p:spPr>
-          <a:xfrm>
-            <a:off x="960856" y="4663282"/>
-            <a:ext cx="415498" cy="369332"/>
-          </a:xfrm>
-          <a:prstGeom prst="rect">
-            <a:avLst/>
-          </a:prstGeom>
-          <a:noFill/>
-        </p:spPr>
-        <p:txBody>
-          <a:bodyPr wrap="none" rtlCol="0">
-            <a:spAutoFit/>
-          </a:bodyPr>
-          <a:lstStyle/>
-          <a:p>
-            <a:r>
-              <a:rPr kumimoji="1" lang="ja-JP" altLang="en-US" dirty="0"/>
-              <a:t>④</a:t>
-            </a:r>
-          </a:p>
-        </p:txBody>
-      </p:sp>
-      <p:sp>
-        <p:nvSpPr>
-          <p:cNvPr id="34" name="テキスト ボックス 33">
-            <a:extLst>
-              <a:ext uri="{FF2B5EF4-FFF2-40B4-BE49-F238E27FC236}">
-                <a16:creationId xmlns:a16="http://schemas.microsoft.com/office/drawing/2014/main" id="{9DEEDB6F-EF18-4AE8-AB2E-8A4514E2C1FC}"/>
-              </a:ext>
-            </a:extLst>
-          </p:cNvPr>
-          <p:cNvSpPr txBox="1"/>
-          <p:nvPr/>
-        </p:nvSpPr>
-        <p:spPr>
-          <a:xfrm>
-            <a:off x="951978" y="5612141"/>
-            <a:ext cx="415498" cy="369332"/>
-          </a:xfrm>
-          <a:prstGeom prst="rect">
-            <a:avLst/>
-          </a:prstGeom>
-          <a:noFill/>
-        </p:spPr>
-        <p:txBody>
-          <a:bodyPr wrap="none" rtlCol="0">
-            <a:spAutoFit/>
-          </a:bodyPr>
-          <a:lstStyle/>
-          <a:p>
-            <a:r>
-              <a:rPr kumimoji="1" lang="ja-JP" altLang="en-US" dirty="0"/>
-              <a:t>⑤</a:t>
-            </a:r>
-          </a:p>
-        </p:txBody>
-      </p:sp>
-      <p:sp>
-        <p:nvSpPr>
-          <p:cNvPr id="35" name="フローチャート: 代替処理 34">
-            <a:extLst>
-              <a:ext uri="{FF2B5EF4-FFF2-40B4-BE49-F238E27FC236}">
-                <a16:creationId xmlns:a16="http://schemas.microsoft.com/office/drawing/2014/main" id="{CD145E92-641B-4D92-AB86-7E5472F602D6}"/>
-              </a:ext>
-            </a:extLst>
-          </p:cNvPr>
-          <p:cNvSpPr/>
-          <p:nvPr/>
-        </p:nvSpPr>
-        <p:spPr>
-          <a:xfrm>
-            <a:off x="1823098" y="5469522"/>
-            <a:ext cx="5353235" cy="916350"/>
-          </a:xfrm>
-          <a:prstGeom prst="flowChartAlternateProcess">
-            <a:avLst/>
-          </a:prstGeom>
-        </p:spPr>
-        <p:style>
-          <a:lnRef idx="2">
-            <a:schemeClr val="accent2"/>
-          </a:lnRef>
-          <a:fillRef idx="1">
-            <a:schemeClr val="lt1"/>
-          </a:fillRef>
-          <a:effectRef idx="0">
-            <a:schemeClr val="accent2"/>
-          </a:effectRef>
-          <a:fontRef idx="minor">
-            <a:schemeClr val="dk1"/>
-          </a:fontRef>
-        </p:style>
-        <p:txBody>
-          <a:bodyPr rtlCol="0" anchor="ctr"/>
-          <a:lstStyle/>
-          <a:p>
-            <a:pPr algn="ctr"/>
-            <a:r>
-              <a:rPr kumimoji="1" lang="en-US" altLang="ja-JP" dirty="0" err="1"/>
-              <a:t>Thay</a:t>
-            </a:r>
-            <a:r>
               <a:rPr kumimoji="1" lang="en-US" altLang="ja-JP" dirty="0"/>
-              <a:t> </a:t>
-            </a:r>
-            <a:r>
-              <a:rPr kumimoji="1" lang="en-US" altLang="ja-JP" dirty="0" err="1"/>
-              <a:t>đổi</a:t>
-            </a:r>
-            <a:r>
-              <a:rPr kumimoji="1" lang="en-US" altLang="ja-JP" dirty="0"/>
-              <a:t> file db_config.ini </a:t>
-            </a:r>
-            <a:r>
-              <a:rPr kumimoji="1" lang="en-US" altLang="ja-JP" dirty="0" err="1"/>
-              <a:t>trong</a:t>
-            </a:r>
-            <a:r>
-              <a:rPr kumimoji="1" lang="en-US" altLang="ja-JP" dirty="0"/>
-              <a:t> folder </a:t>
-            </a:r>
-            <a:r>
-              <a:rPr kumimoji="1" lang="en-US" altLang="ja-JP" dirty="0" err="1"/>
-              <a:t>src</a:t>
-            </a:r>
-            <a:r>
-              <a:rPr kumimoji="1" lang="en-US" altLang="ja-JP" dirty="0"/>
-              <a:t>\Server\database</a:t>
-            </a:r>
-          </a:p>
-          <a:p>
-            <a:pPr algn="ctr"/>
-            <a:r>
-              <a:rPr kumimoji="1" lang="en-US" altLang="ja-JP" dirty="0"/>
-              <a:t>Theo </a:t>
-            </a:r>
-            <a:r>
-              <a:rPr kumimoji="1" lang="en-US" altLang="ja-JP" dirty="0" err="1"/>
-              <a:t>nội</a:t>
-            </a:r>
-            <a:r>
-              <a:rPr kumimoji="1" lang="en-US" altLang="ja-JP" dirty="0"/>
-              <a:t> dung database </a:t>
-            </a:r>
-            <a:r>
-              <a:rPr kumimoji="1" lang="en-US" altLang="ja-JP" dirty="0" err="1"/>
-              <a:t>của</a:t>
-            </a:r>
-            <a:r>
-              <a:rPr kumimoji="1" lang="en-US" altLang="ja-JP" dirty="0"/>
-              <a:t> </a:t>
-            </a:r>
-            <a:r>
-              <a:rPr kumimoji="1" lang="en-US" altLang="ja-JP" dirty="0" err="1"/>
-              <a:t>bạn</a:t>
-            </a:r>
-            <a:endParaRPr kumimoji="1" lang="en-US" altLang="ja-JP" dirty="0"/>
-          </a:p>
-        </p:txBody>
-      </p:sp>
-      <p:sp>
-        <p:nvSpPr>
-          <p:cNvPr id="37" name="矢印: 下 36">
-            <a:extLst>
-              <a:ext uri="{FF2B5EF4-FFF2-40B4-BE49-F238E27FC236}">
-                <a16:creationId xmlns:a16="http://schemas.microsoft.com/office/drawing/2014/main" id="{BC579925-DD9F-4908-82E6-12A3FE2934E4}"/>
-              </a:ext>
-            </a:extLst>
-          </p:cNvPr>
-          <p:cNvSpPr/>
-          <p:nvPr/>
-        </p:nvSpPr>
-        <p:spPr>
-          <a:xfrm>
-            <a:off x="4097990" y="5209949"/>
-            <a:ext cx="803450" cy="207373"/>
-          </a:xfrm>
-          <a:prstGeom prst="downArrow">
-            <a:avLst/>
-          </a:prstGeom>
-        </p:spPr>
-        <p:style>
-          <a:lnRef idx="2">
-            <a:schemeClr val="accent1">
-              <a:shade val="50000"/>
-            </a:schemeClr>
-          </a:lnRef>
-          <a:fillRef idx="1">
-            <a:schemeClr val="accent1"/>
-          </a:fillRef>
-          <a:effectRef idx="0">
-            <a:schemeClr val="accent1"/>
-          </a:effectRef>
-          <a:fontRef idx="minor">
-            <a:schemeClr val="lt1"/>
-          </a:fontRef>
-        </p:style>
-        <p:txBody>
-          <a:bodyPr rtlCol="0" anchor="ctr"/>
-          <a:lstStyle/>
-          <a:p>
-            <a:pPr algn="ctr"/>
-            <a:endParaRPr kumimoji="1" lang="ja-JP" altLang="en-US"/>
+              <a:t>Docker</a:t>
+            </a:r>
+            <a:endParaRPr kumimoji="1" lang="ja-JP" altLang="en-US" dirty="0"/>
           </a:p>
         </p:txBody>
       </p:sp>
     </p:spTree>
     <p:extLst>
       <p:ext uri="{BB962C8B-B14F-4D97-AF65-F5344CB8AC3E}">
-        <p14:creationId xmlns:p14="http://schemas.microsoft.com/office/powerpoint/2010/main" val="3945748041"/>
+        <p14:creationId xmlns:p14="http://schemas.microsoft.com/office/powerpoint/2010/main" val="418778066"/>
       </p:ext>
     </p:extLst>
   </p:cSld>
@@ -7112,34 +6550,134 @@
               <a:t>　</a:t>
             </a:r>
             <a:r>
-              <a:rPr lang="en-US" altLang="ja-JP" sz="2400" b="0" strike="noStrike" spc="-1" dirty="0">
+              <a:rPr lang="en-US" altLang="ja-JP" sz="2400" b="0" strike="noStrike" spc="-1" dirty="0" err="1">
                 <a:solidFill>
                   <a:srgbClr val="000000"/>
                 </a:solidFill>
                 <a:latin typeface="Meiryo UI"/>
                 <a:ea typeface="Meiryo UI"/>
               </a:rPr>
-              <a:t>Sample </a:t>
-            </a:r>
-            <a:r>
-              <a:rPr lang="en-US" altLang="ja-JP" sz="2400" b="0" strike="noStrike" spc="-1" dirty="0" err="1">
+              <a:t>Tạo</a:t>
+            </a:r>
+            <a:r>
+              <a:rPr lang="en-US" altLang="ja-JP" sz="2400" b="0" strike="noStrike" spc="-1" dirty="0">
                 <a:solidFill>
                   <a:srgbClr val="000000"/>
                 </a:solidFill>
                 <a:latin typeface="Meiryo UI"/>
                 <a:ea typeface="Meiryo UI"/>
               </a:rPr>
-              <a:t>cho</a:t>
-            </a:r>
-            <a:r>
-              <a:rPr lang="en-US" altLang="ja-JP" sz="2400" b="0" strike="noStrike" spc="-1" dirty="0">
+              <a:t> database </a:t>
+            </a:r>
+            <a:r>
+              <a:rPr lang="en-US" altLang="ja-JP" sz="2400" b="0" strike="noStrike" spc="-1" dirty="0" err="1">
                 <a:solidFill>
                   <a:srgbClr val="000000"/>
                 </a:solidFill>
                 <a:latin typeface="Meiryo UI"/>
                 <a:ea typeface="Meiryo UI"/>
               </a:rPr>
-              <a:t> document staff</a:t>
+              <a:t>để</a:t>
+            </a:r>
+            <a:r>
+              <a:rPr lang="en-US" altLang="ja-JP" sz="2400" b="0" strike="noStrike" spc="-1" dirty="0">
+                <a:solidFill>
+                  <a:srgbClr val="000000"/>
+                </a:solidFill>
+                <a:latin typeface="Meiryo UI"/>
+                <a:ea typeface="Meiryo UI"/>
+              </a:rPr>
+              <a:t> test </a:t>
+            </a:r>
+            <a:r>
+              <a:rPr lang="en-US" altLang="ja-JP" sz="2400" b="0" strike="noStrike" spc="-1" dirty="0" err="1">
+                <a:solidFill>
+                  <a:srgbClr val="000000"/>
+                </a:solidFill>
+                <a:latin typeface="Meiryo UI"/>
+                <a:ea typeface="Meiryo UI"/>
+              </a:rPr>
+              <a:t>với</a:t>
+            </a:r>
+            <a:r>
+              <a:rPr lang="en-US" altLang="ja-JP" sz="2400" b="0" strike="noStrike" spc="-1" dirty="0">
+                <a:solidFill>
+                  <a:srgbClr val="000000"/>
+                </a:solidFill>
+                <a:latin typeface="Meiryo UI"/>
+                <a:ea typeface="Meiryo UI"/>
+              </a:rPr>
+              <a:t> </a:t>
+            </a:r>
+            <a:r>
+              <a:rPr lang="en-US" altLang="ja-JP" sz="2400" b="0" strike="noStrike" spc="-1" dirty="0" err="1">
+                <a:solidFill>
+                  <a:srgbClr val="000000"/>
+                </a:solidFill>
+                <a:latin typeface="Meiryo UI"/>
+                <a:ea typeface="Meiryo UI"/>
+              </a:rPr>
+              <a:t>dữ</a:t>
+            </a:r>
+            <a:r>
+              <a:rPr lang="en-US" altLang="ja-JP" sz="2400" b="0" strike="noStrike" spc="-1" dirty="0">
+                <a:solidFill>
+                  <a:srgbClr val="000000"/>
+                </a:solidFill>
+                <a:latin typeface="Meiryo UI"/>
+                <a:ea typeface="Meiryo UI"/>
+              </a:rPr>
+              <a:t> </a:t>
+            </a:r>
+            <a:r>
+              <a:rPr lang="en-US" altLang="ja-JP" sz="2400" b="0" strike="noStrike" spc="-1" dirty="0" err="1">
+                <a:solidFill>
+                  <a:srgbClr val="000000"/>
+                </a:solidFill>
+                <a:latin typeface="Meiryo UI"/>
+                <a:ea typeface="Meiryo UI"/>
+              </a:rPr>
+              <a:t>liệu</a:t>
+            </a:r>
+            <a:r>
+              <a:rPr lang="en-US" altLang="ja-JP" sz="2400" b="0" strike="noStrike" spc="-1" dirty="0">
+                <a:solidFill>
+                  <a:srgbClr val="000000"/>
+                </a:solidFill>
+                <a:latin typeface="Meiryo UI"/>
+                <a:ea typeface="Meiryo UI"/>
+              </a:rPr>
+              <a:t> </a:t>
+            </a:r>
+            <a:r>
+              <a:rPr lang="en-US" altLang="ja-JP" sz="2400" b="0" strike="noStrike" spc="-1" dirty="0" err="1">
+                <a:solidFill>
+                  <a:srgbClr val="000000"/>
+                </a:solidFill>
+                <a:latin typeface="Meiryo UI"/>
+                <a:ea typeface="Meiryo UI"/>
+              </a:rPr>
+              <a:t>của</a:t>
+            </a:r>
+            <a:r>
+              <a:rPr lang="en-US" altLang="ja-JP" sz="2400" b="0" strike="noStrike" spc="-1" dirty="0">
+                <a:solidFill>
+                  <a:srgbClr val="000000"/>
+                </a:solidFill>
+                <a:latin typeface="Meiryo UI"/>
+                <a:ea typeface="Meiryo UI"/>
+              </a:rPr>
+              <a:t> </a:t>
+            </a:r>
+            <a:r>
+              <a:rPr lang="en-US" altLang="ja-JP" sz="2400" b="0" strike="noStrike" spc="-1" dirty="0" err="1">
+                <a:solidFill>
+                  <a:srgbClr val="000000"/>
+                </a:solidFill>
+                <a:latin typeface="Meiryo UI"/>
+                <a:ea typeface="Meiryo UI"/>
+              </a:rPr>
+              <a:t>mình</a:t>
             </a:r>
             <a:endParaRPr lang="en-US" sz="2400" b="0" strike="noStrike" spc="-1" dirty="0">
               <a:latin typeface="Arial"/>
@@ -7247,40 +6785,736 @@
           <a:fontRef idx="minor"/>
         </p:style>
       </p:sp>
-      <p:pic>
-        <p:nvPicPr>
-          <p:cNvPr id="12" name="図 11">
+      <p:sp>
+        <p:nvSpPr>
+          <p:cNvPr id="3" name="フローチャート: 代替処理 2">
             <a:extLst>
               <a:ext uri="{FF2B5EF4-FFF2-40B4-BE49-F238E27FC236}">
-                <a16:creationId xmlns:a16="http://schemas.microsoft.com/office/drawing/2014/main" id="{03A63A1A-CA73-4D04-92F3-A530DC562A1D}"/>
+                <a16:creationId xmlns:a16="http://schemas.microsoft.com/office/drawing/2014/main" id="{8BFA6B1C-846D-41F7-840A-2A6E5DCB8D5C}"/>
               </a:ext>
             </a:extLst>
           </p:cNvPr>
-          <p:cNvPicPr>
-            <a:picLocks noChangeAspect="1"/>
-          </p:cNvPicPr>
-          <p:nvPr/>
-        </p:nvPicPr>
-        <p:blipFill>
-          <a:blip r:embed="rId3"/>
-          <a:stretch>
-            <a:fillRect/>
-          </a:stretch>
-        </p:blipFill>
-        <p:spPr>
-          <a:xfrm>
-            <a:off x="528941" y="1116747"/>
-            <a:ext cx="4519772" cy="1202067"/>
-          </a:xfrm>
-          <a:prstGeom prst="rect">
-            <a:avLst/>
-          </a:prstGeom>
-        </p:spPr>
-      </p:pic>
+          <p:cNvSpPr/>
+          <p:nvPr/>
+        </p:nvSpPr>
+        <p:spPr>
+          <a:xfrm>
+            <a:off x="1823100" y="930303"/>
+            <a:ext cx="5353235" cy="861134"/>
+          </a:xfrm>
+          <a:prstGeom prst="flowChartAlternateProcess">
+            <a:avLst/>
+          </a:prstGeom>
+        </p:spPr>
+        <p:style>
+          <a:lnRef idx="2">
+            <a:schemeClr val="accent2"/>
+          </a:lnRef>
+          <a:fillRef idx="1">
+            <a:schemeClr val="lt1"/>
+          </a:fillRef>
+          <a:effectRef idx="0">
+            <a:schemeClr val="accent2"/>
+          </a:effectRef>
+          <a:fontRef idx="minor">
+            <a:schemeClr val="dk1"/>
+          </a:fontRef>
+        </p:style>
+        <p:txBody>
+          <a:bodyPr rtlCol="0" anchor="ctr"/>
+          <a:lstStyle/>
+          <a:p>
+            <a:pPr algn="ctr"/>
+            <a:r>
+              <a:rPr kumimoji="1" lang="en-US" altLang="ja-JP" dirty="0" err="1"/>
+              <a:t>Tạo</a:t>
+            </a:r>
+            <a:r>
+              <a:rPr kumimoji="1" lang="en-US" altLang="ja-JP" dirty="0"/>
+              <a:t> account </a:t>
+            </a:r>
+            <a:r>
+              <a:rPr kumimoji="1" lang="en-US" altLang="ja-JP" dirty="0" err="1"/>
+              <a:t>với</a:t>
+            </a:r>
+            <a:r>
+              <a:rPr kumimoji="1" lang="en-US" altLang="ja-JP" dirty="0"/>
+              <a:t> </a:t>
+            </a:r>
+          </a:p>
+          <a:p>
+            <a:pPr algn="ctr"/>
+            <a:r>
+              <a:rPr kumimoji="1" lang="en-US" altLang="ja-JP" dirty="0"/>
+              <a:t>https://www.mongodb.com/cloud/atlas</a:t>
+            </a:r>
+            <a:endParaRPr kumimoji="1" lang="ja-JP" altLang="en-US" dirty="0"/>
+          </a:p>
+        </p:txBody>
+      </p:sp>
+      <p:sp>
+        <p:nvSpPr>
+          <p:cNvPr id="4" name="フローチャート: 代替処理 3">
+            <a:extLst>
+              <a:ext uri="{FF2B5EF4-FFF2-40B4-BE49-F238E27FC236}">
+                <a16:creationId xmlns:a16="http://schemas.microsoft.com/office/drawing/2014/main" id="{2C731FE0-5DD6-4966-A940-966E8F071CCB}"/>
+              </a:ext>
+            </a:extLst>
+          </p:cNvPr>
+          <p:cNvSpPr/>
+          <p:nvPr/>
+        </p:nvSpPr>
+        <p:spPr>
+          <a:xfrm>
+            <a:off x="1823099" y="2210590"/>
+            <a:ext cx="5353235" cy="721026"/>
+          </a:xfrm>
+          <a:prstGeom prst="flowChartAlternateProcess">
+            <a:avLst/>
+          </a:prstGeom>
+        </p:spPr>
+        <p:style>
+          <a:lnRef idx="2">
+            <a:schemeClr val="accent2"/>
+          </a:lnRef>
+          <a:fillRef idx="1">
+            <a:schemeClr val="lt1"/>
+          </a:fillRef>
+          <a:effectRef idx="0">
+            <a:schemeClr val="accent2"/>
+          </a:effectRef>
+          <a:fontRef idx="minor">
+            <a:schemeClr val="dk1"/>
+          </a:fontRef>
+        </p:style>
+        <p:txBody>
+          <a:bodyPr rtlCol="0" anchor="ctr"/>
+          <a:lstStyle/>
+          <a:p>
+            <a:pPr algn="ctr"/>
+            <a:r>
+              <a:rPr kumimoji="1" lang="en-US" altLang="ja-JP" dirty="0" err="1"/>
+              <a:t>Tạo</a:t>
+            </a:r>
+            <a:r>
+              <a:rPr kumimoji="1" lang="en-US" altLang="ja-JP" dirty="0"/>
+              <a:t> database </a:t>
+            </a:r>
+            <a:r>
+              <a:rPr kumimoji="1" lang="en-US" altLang="ja-JP" dirty="0" err="1"/>
+              <a:t>mới</a:t>
+            </a:r>
+            <a:endParaRPr kumimoji="1" lang="en-US" altLang="ja-JP" dirty="0"/>
+          </a:p>
+          <a:p>
+            <a:pPr algn="ctr"/>
+            <a:r>
+              <a:rPr kumimoji="1" lang="en-US" altLang="ja-JP" dirty="0" err="1"/>
+              <a:t>Ví</a:t>
+            </a:r>
+            <a:r>
+              <a:rPr kumimoji="1" lang="en-US" altLang="ja-JP" dirty="0"/>
+              <a:t> </a:t>
+            </a:r>
+            <a:r>
+              <a:rPr kumimoji="1" lang="en-US" altLang="ja-JP" dirty="0" err="1"/>
+              <a:t>dụ</a:t>
+            </a:r>
+            <a:r>
+              <a:rPr kumimoji="1" lang="en-US" altLang="ja-JP" dirty="0"/>
+              <a:t>: </a:t>
+            </a:r>
+            <a:r>
+              <a:rPr kumimoji="1" lang="en-US" altLang="ja-JP" dirty="0" err="1"/>
+              <a:t>FaceContest</a:t>
+            </a:r>
+            <a:endParaRPr kumimoji="1" lang="en-US" altLang="ja-JP" dirty="0"/>
+          </a:p>
+        </p:txBody>
+      </p:sp>
+      <p:sp>
+        <p:nvSpPr>
+          <p:cNvPr id="5" name="フローチャート: 代替処理 4">
+            <a:extLst>
+              <a:ext uri="{FF2B5EF4-FFF2-40B4-BE49-F238E27FC236}">
+                <a16:creationId xmlns:a16="http://schemas.microsoft.com/office/drawing/2014/main" id="{EBAEE055-054C-444A-B98F-1DD120CBC749}"/>
+              </a:ext>
+            </a:extLst>
+          </p:cNvPr>
+          <p:cNvSpPr/>
+          <p:nvPr/>
+        </p:nvSpPr>
+        <p:spPr>
+          <a:xfrm>
+            <a:off x="1823100" y="3421871"/>
+            <a:ext cx="5353235" cy="721026"/>
+          </a:xfrm>
+          <a:prstGeom prst="flowChartAlternateProcess">
+            <a:avLst/>
+          </a:prstGeom>
+        </p:spPr>
+        <p:style>
+          <a:lnRef idx="2">
+            <a:schemeClr val="accent2"/>
+          </a:lnRef>
+          <a:fillRef idx="1">
+            <a:schemeClr val="lt1"/>
+          </a:fillRef>
+          <a:effectRef idx="0">
+            <a:schemeClr val="accent2"/>
+          </a:effectRef>
+          <a:fontRef idx="minor">
+            <a:schemeClr val="dk1"/>
+          </a:fontRef>
+        </p:style>
+        <p:txBody>
+          <a:bodyPr rtlCol="0" anchor="ctr"/>
+          <a:lstStyle/>
+          <a:p>
+            <a:pPr algn="ctr"/>
+            <a:r>
+              <a:rPr kumimoji="1" lang="en-US" altLang="ja-JP" dirty="0" err="1"/>
+              <a:t>Tạo</a:t>
+            </a:r>
+            <a:r>
+              <a:rPr kumimoji="1" lang="en-US" altLang="ja-JP" dirty="0"/>
+              <a:t> 3 collections</a:t>
+            </a:r>
+          </a:p>
+          <a:p>
+            <a:pPr algn="ctr"/>
+            <a:r>
+              <a:rPr kumimoji="1" lang="en-US" altLang="ja-JP" dirty="0"/>
+              <a:t>staff, encode, feedback</a:t>
+            </a:r>
+          </a:p>
+        </p:txBody>
+      </p:sp>
+      <p:sp>
+        <p:nvSpPr>
+          <p:cNvPr id="6" name="フローチャート: 代替処理 5">
+            <a:extLst>
+              <a:ext uri="{FF2B5EF4-FFF2-40B4-BE49-F238E27FC236}">
+                <a16:creationId xmlns:a16="http://schemas.microsoft.com/office/drawing/2014/main" id="{C122F0D2-B883-4B4F-8068-9DBB94AD1237}"/>
+              </a:ext>
+            </a:extLst>
+          </p:cNvPr>
+          <p:cNvSpPr/>
+          <p:nvPr/>
+        </p:nvSpPr>
+        <p:spPr>
+          <a:xfrm>
+            <a:off x="1823100" y="4605903"/>
+            <a:ext cx="5353235" cy="506157"/>
+          </a:xfrm>
+          <a:prstGeom prst="flowChartAlternateProcess">
+            <a:avLst/>
+          </a:prstGeom>
+        </p:spPr>
+        <p:style>
+          <a:lnRef idx="2">
+            <a:schemeClr val="accent2"/>
+          </a:lnRef>
+          <a:fillRef idx="1">
+            <a:schemeClr val="lt1"/>
+          </a:fillRef>
+          <a:effectRef idx="0">
+            <a:schemeClr val="accent2"/>
+          </a:effectRef>
+          <a:fontRef idx="minor">
+            <a:schemeClr val="dk1"/>
+          </a:fontRef>
+        </p:style>
+        <p:txBody>
+          <a:bodyPr rtlCol="0" anchor="ctr"/>
+          <a:lstStyle/>
+          <a:p>
+            <a:pPr algn="ctr"/>
+            <a:r>
+              <a:rPr kumimoji="1" lang="en-US" altLang="ja-JP" dirty="0" err="1"/>
+              <a:t>Tạo</a:t>
+            </a:r>
+            <a:r>
+              <a:rPr kumimoji="1" lang="en-US" altLang="ja-JP" dirty="0"/>
+              <a:t> documents </a:t>
+            </a:r>
+            <a:r>
+              <a:rPr kumimoji="1" lang="en-US" altLang="ja-JP" dirty="0" err="1"/>
+              <a:t>cho</a:t>
+            </a:r>
+            <a:r>
+              <a:rPr kumimoji="1" lang="en-US" altLang="ja-JP" dirty="0"/>
+              <a:t> collection staff</a:t>
+            </a:r>
+          </a:p>
+        </p:txBody>
+      </p:sp>
+      <p:sp>
+        <p:nvSpPr>
+          <p:cNvPr id="7" name="矢印: 下 6">
+            <a:extLst>
+              <a:ext uri="{FF2B5EF4-FFF2-40B4-BE49-F238E27FC236}">
+                <a16:creationId xmlns:a16="http://schemas.microsoft.com/office/drawing/2014/main" id="{E4BE3C06-5059-4F22-88B5-4FE3983417BA}"/>
+              </a:ext>
+            </a:extLst>
+          </p:cNvPr>
+          <p:cNvSpPr/>
+          <p:nvPr/>
+        </p:nvSpPr>
+        <p:spPr>
+          <a:xfrm>
+            <a:off x="4097991" y="1862506"/>
+            <a:ext cx="803450" cy="284000"/>
+          </a:xfrm>
+          <a:prstGeom prst="downArrow">
+            <a:avLst/>
+          </a:prstGeom>
+        </p:spPr>
+        <p:style>
+          <a:lnRef idx="2">
+            <a:schemeClr val="accent1">
+              <a:shade val="50000"/>
+            </a:schemeClr>
+          </a:lnRef>
+          <a:fillRef idx="1">
+            <a:schemeClr val="accent1"/>
+          </a:fillRef>
+          <a:effectRef idx="0">
+            <a:schemeClr val="accent1"/>
+          </a:effectRef>
+          <a:fontRef idx="minor">
+            <a:schemeClr val="lt1"/>
+          </a:fontRef>
+        </p:style>
+        <p:txBody>
+          <a:bodyPr rtlCol="0" anchor="ctr"/>
+          <a:lstStyle/>
+          <a:p>
+            <a:pPr algn="ctr"/>
+            <a:endParaRPr kumimoji="1" lang="ja-JP" altLang="en-US"/>
+          </a:p>
+        </p:txBody>
+      </p:sp>
+      <p:sp>
+        <p:nvSpPr>
+          <p:cNvPr id="8" name="矢印: 下 7">
+            <a:extLst>
+              <a:ext uri="{FF2B5EF4-FFF2-40B4-BE49-F238E27FC236}">
+                <a16:creationId xmlns:a16="http://schemas.microsoft.com/office/drawing/2014/main" id="{F0FB84FE-284A-4C7D-A526-A4C5398CA72D}"/>
+              </a:ext>
+            </a:extLst>
+          </p:cNvPr>
+          <p:cNvSpPr/>
+          <p:nvPr/>
+        </p:nvSpPr>
+        <p:spPr>
+          <a:xfrm>
+            <a:off x="4097991" y="3066769"/>
+            <a:ext cx="803450" cy="284000"/>
+          </a:xfrm>
+          <a:prstGeom prst="downArrow">
+            <a:avLst/>
+          </a:prstGeom>
+        </p:spPr>
+        <p:style>
+          <a:lnRef idx="2">
+            <a:schemeClr val="accent1">
+              <a:shade val="50000"/>
+            </a:schemeClr>
+          </a:lnRef>
+          <a:fillRef idx="1">
+            <a:schemeClr val="accent1"/>
+          </a:fillRef>
+          <a:effectRef idx="0">
+            <a:schemeClr val="accent1"/>
+          </a:effectRef>
+          <a:fontRef idx="minor">
+            <a:schemeClr val="lt1"/>
+          </a:fontRef>
+        </p:style>
+        <p:txBody>
+          <a:bodyPr rtlCol="0" anchor="ctr"/>
+          <a:lstStyle/>
+          <a:p>
+            <a:pPr algn="ctr"/>
+            <a:endParaRPr kumimoji="1" lang="ja-JP" altLang="en-US"/>
+          </a:p>
+        </p:txBody>
+      </p:sp>
+      <p:sp>
+        <p:nvSpPr>
+          <p:cNvPr id="9" name="矢印: 下 8">
+            <a:extLst>
+              <a:ext uri="{FF2B5EF4-FFF2-40B4-BE49-F238E27FC236}">
+                <a16:creationId xmlns:a16="http://schemas.microsoft.com/office/drawing/2014/main" id="{B8C8890A-2F84-45BA-B3EB-C62ABBA7D75D}"/>
+              </a:ext>
+            </a:extLst>
+          </p:cNvPr>
+          <p:cNvSpPr/>
+          <p:nvPr/>
+        </p:nvSpPr>
+        <p:spPr>
+          <a:xfrm>
+            <a:off x="4069128" y="4232400"/>
+            <a:ext cx="803450" cy="284000"/>
+          </a:xfrm>
+          <a:prstGeom prst="downArrow">
+            <a:avLst/>
+          </a:prstGeom>
+        </p:spPr>
+        <p:style>
+          <a:lnRef idx="2">
+            <a:schemeClr val="accent1">
+              <a:shade val="50000"/>
+            </a:schemeClr>
+          </a:lnRef>
+          <a:fillRef idx="1">
+            <a:schemeClr val="accent1"/>
+          </a:fillRef>
+          <a:effectRef idx="0">
+            <a:schemeClr val="accent1"/>
+          </a:effectRef>
+          <a:fontRef idx="minor">
+            <a:schemeClr val="lt1"/>
+          </a:fontRef>
+        </p:style>
+        <p:txBody>
+          <a:bodyPr rtlCol="0" anchor="ctr"/>
+          <a:lstStyle/>
+          <a:p>
+            <a:pPr algn="ctr"/>
+            <a:endParaRPr kumimoji="1" lang="ja-JP" altLang="en-US"/>
+          </a:p>
+        </p:txBody>
+      </p:sp>
+      <p:sp>
+        <p:nvSpPr>
+          <p:cNvPr id="10" name="テキスト ボックス 9">
+            <a:extLst>
+              <a:ext uri="{FF2B5EF4-FFF2-40B4-BE49-F238E27FC236}">
+                <a16:creationId xmlns:a16="http://schemas.microsoft.com/office/drawing/2014/main" id="{6E68DD23-7943-4250-9AF0-8305CA6B027C}"/>
+              </a:ext>
+            </a:extLst>
+          </p:cNvPr>
+          <p:cNvSpPr txBox="1"/>
+          <p:nvPr/>
+        </p:nvSpPr>
+        <p:spPr>
+          <a:xfrm>
+            <a:off x="889864" y="1120404"/>
+            <a:ext cx="415498" cy="369332"/>
+          </a:xfrm>
+          <a:prstGeom prst="rect">
+            <a:avLst/>
+          </a:prstGeom>
+          <a:noFill/>
+        </p:spPr>
+        <p:txBody>
+          <a:bodyPr wrap="none" rtlCol="0">
+            <a:spAutoFit/>
+          </a:bodyPr>
+          <a:lstStyle/>
+          <a:p>
+            <a:r>
+              <a:rPr kumimoji="1" lang="ja-JP" altLang="en-US" dirty="0"/>
+              <a:t>①</a:t>
+            </a:r>
+          </a:p>
+        </p:txBody>
+      </p:sp>
+      <p:sp>
+        <p:nvSpPr>
+          <p:cNvPr id="11" name="テキスト ボックス 10">
+            <a:extLst>
+              <a:ext uri="{FF2B5EF4-FFF2-40B4-BE49-F238E27FC236}">
+                <a16:creationId xmlns:a16="http://schemas.microsoft.com/office/drawing/2014/main" id="{EEA2F5BF-0FBC-4095-907B-6FDB02B8EBAB}"/>
+              </a:ext>
+            </a:extLst>
+          </p:cNvPr>
+          <p:cNvSpPr txBox="1"/>
+          <p:nvPr/>
+        </p:nvSpPr>
+        <p:spPr>
+          <a:xfrm>
+            <a:off x="913652" y="2528411"/>
+            <a:ext cx="415498" cy="369332"/>
+          </a:xfrm>
+          <a:prstGeom prst="rect">
+            <a:avLst/>
+          </a:prstGeom>
+          <a:noFill/>
+        </p:spPr>
+        <p:txBody>
+          <a:bodyPr wrap="none" rtlCol="0">
+            <a:spAutoFit/>
+          </a:bodyPr>
+          <a:lstStyle/>
+          <a:p>
+            <a:r>
+              <a:rPr kumimoji="1" lang="ja-JP" altLang="en-US" dirty="0"/>
+              <a:t>②</a:t>
+            </a:r>
+          </a:p>
+        </p:txBody>
+      </p:sp>
+      <p:sp>
+        <p:nvSpPr>
+          <p:cNvPr id="15" name="テキスト ボックス 14">
+            <a:extLst>
+              <a:ext uri="{FF2B5EF4-FFF2-40B4-BE49-F238E27FC236}">
+                <a16:creationId xmlns:a16="http://schemas.microsoft.com/office/drawing/2014/main" id="{0DC2A220-984B-4438-8947-403CB4AFE800}"/>
+              </a:ext>
+            </a:extLst>
+          </p:cNvPr>
+          <p:cNvSpPr txBox="1"/>
+          <p:nvPr/>
+        </p:nvSpPr>
+        <p:spPr>
+          <a:xfrm>
+            <a:off x="954823" y="3631591"/>
+            <a:ext cx="415498" cy="369332"/>
+          </a:xfrm>
+          <a:prstGeom prst="rect">
+            <a:avLst/>
+          </a:prstGeom>
+          <a:noFill/>
+        </p:spPr>
+        <p:txBody>
+          <a:bodyPr wrap="none" rtlCol="0">
+            <a:spAutoFit/>
+          </a:bodyPr>
+          <a:lstStyle/>
+          <a:p>
+            <a:r>
+              <a:rPr kumimoji="1" lang="ja-JP" altLang="en-US" dirty="0"/>
+              <a:t>③</a:t>
+            </a:r>
+          </a:p>
+        </p:txBody>
+      </p:sp>
+      <p:sp>
+        <p:nvSpPr>
+          <p:cNvPr id="17" name="テキスト ボックス 16">
+            <a:extLst>
+              <a:ext uri="{FF2B5EF4-FFF2-40B4-BE49-F238E27FC236}">
+                <a16:creationId xmlns:a16="http://schemas.microsoft.com/office/drawing/2014/main" id="{E48273D6-A461-460C-AA32-50AA96D8E329}"/>
+              </a:ext>
+            </a:extLst>
+          </p:cNvPr>
+          <p:cNvSpPr txBox="1"/>
+          <p:nvPr/>
+        </p:nvSpPr>
+        <p:spPr>
+          <a:xfrm>
+            <a:off x="960856" y="4663282"/>
+            <a:ext cx="415498" cy="369332"/>
+          </a:xfrm>
+          <a:prstGeom prst="rect">
+            <a:avLst/>
+          </a:prstGeom>
+          <a:noFill/>
+        </p:spPr>
+        <p:txBody>
+          <a:bodyPr wrap="none" rtlCol="0">
+            <a:spAutoFit/>
+          </a:bodyPr>
+          <a:lstStyle/>
+          <a:p>
+            <a:r>
+              <a:rPr kumimoji="1" lang="ja-JP" altLang="en-US" dirty="0"/>
+              <a:t>④</a:t>
+            </a:r>
+          </a:p>
+        </p:txBody>
+      </p:sp>
+      <p:sp>
+        <p:nvSpPr>
+          <p:cNvPr id="34" name="テキスト ボックス 33">
+            <a:extLst>
+              <a:ext uri="{FF2B5EF4-FFF2-40B4-BE49-F238E27FC236}">
+                <a16:creationId xmlns:a16="http://schemas.microsoft.com/office/drawing/2014/main" id="{9DEEDB6F-EF18-4AE8-AB2E-8A4514E2C1FC}"/>
+              </a:ext>
+            </a:extLst>
+          </p:cNvPr>
+          <p:cNvSpPr txBox="1"/>
+          <p:nvPr/>
+        </p:nvSpPr>
+        <p:spPr>
+          <a:xfrm>
+            <a:off x="951978" y="5612141"/>
+            <a:ext cx="415498" cy="369332"/>
+          </a:xfrm>
+          <a:prstGeom prst="rect">
+            <a:avLst/>
+          </a:prstGeom>
+          <a:noFill/>
+        </p:spPr>
+        <p:txBody>
+          <a:bodyPr wrap="none" rtlCol="0">
+            <a:spAutoFit/>
+          </a:bodyPr>
+          <a:lstStyle/>
+          <a:p>
+            <a:r>
+              <a:rPr kumimoji="1" lang="ja-JP" altLang="en-US" dirty="0"/>
+              <a:t>⑤</a:t>
+            </a:r>
+          </a:p>
+        </p:txBody>
+      </p:sp>
+      <p:sp>
+        <p:nvSpPr>
+          <p:cNvPr id="35" name="フローチャート: 代替処理 34">
+            <a:extLst>
+              <a:ext uri="{FF2B5EF4-FFF2-40B4-BE49-F238E27FC236}">
+                <a16:creationId xmlns:a16="http://schemas.microsoft.com/office/drawing/2014/main" id="{CD145E92-641B-4D92-AB86-7E5472F602D6}"/>
+              </a:ext>
+            </a:extLst>
+          </p:cNvPr>
+          <p:cNvSpPr/>
+          <p:nvPr/>
+        </p:nvSpPr>
+        <p:spPr>
+          <a:xfrm>
+            <a:off x="1823098" y="5469522"/>
+            <a:ext cx="5353235" cy="916350"/>
+          </a:xfrm>
+          <a:prstGeom prst="flowChartAlternateProcess">
+            <a:avLst/>
+          </a:prstGeom>
+        </p:spPr>
+        <p:style>
+          <a:lnRef idx="2">
+            <a:schemeClr val="accent2"/>
+          </a:lnRef>
+          <a:fillRef idx="1">
+            <a:schemeClr val="lt1"/>
+          </a:fillRef>
+          <a:effectRef idx="0">
+            <a:schemeClr val="accent2"/>
+          </a:effectRef>
+          <a:fontRef idx="minor">
+            <a:schemeClr val="dk1"/>
+          </a:fontRef>
+        </p:style>
+        <p:txBody>
+          <a:bodyPr rtlCol="0" anchor="ctr"/>
+          <a:lstStyle/>
+          <a:p>
+            <a:pPr algn="ctr"/>
+            <a:r>
+              <a:rPr kumimoji="1" lang="en-US" altLang="ja-JP" dirty="0" err="1"/>
+              <a:t>Thay</a:t>
+            </a:r>
+            <a:r>
+              <a:rPr kumimoji="1" lang="en-US" altLang="ja-JP" dirty="0"/>
+              <a:t> </a:t>
+            </a:r>
+            <a:r>
+              <a:rPr kumimoji="1" lang="en-US" altLang="ja-JP" dirty="0" err="1"/>
+              <a:t>đổi</a:t>
+            </a:r>
+            <a:r>
+              <a:rPr kumimoji="1" lang="en-US" altLang="ja-JP" dirty="0"/>
+              <a:t> file db_config.ini </a:t>
+            </a:r>
+            <a:r>
+              <a:rPr kumimoji="1" lang="en-US" altLang="ja-JP" dirty="0" err="1"/>
+              <a:t>trong</a:t>
+            </a:r>
+            <a:r>
+              <a:rPr kumimoji="1" lang="en-US" altLang="ja-JP" dirty="0"/>
+              <a:t> folder </a:t>
+            </a:r>
+            <a:r>
+              <a:rPr kumimoji="1" lang="en-US" altLang="ja-JP" dirty="0" err="1"/>
+              <a:t>src</a:t>
+            </a:r>
+            <a:r>
+              <a:rPr kumimoji="1" lang="en-US" altLang="ja-JP" dirty="0"/>
+              <a:t>\Server\database</a:t>
+            </a:r>
+          </a:p>
+          <a:p>
+            <a:pPr algn="ctr"/>
+            <a:r>
+              <a:rPr kumimoji="1" lang="en-US" altLang="ja-JP" dirty="0"/>
+              <a:t>Theo </a:t>
+            </a:r>
+            <a:r>
+              <a:rPr kumimoji="1" lang="en-US" altLang="ja-JP" dirty="0" err="1"/>
+              <a:t>nội</a:t>
+            </a:r>
+            <a:r>
+              <a:rPr kumimoji="1" lang="en-US" altLang="ja-JP" dirty="0"/>
+              <a:t> dung database </a:t>
+            </a:r>
+            <a:r>
+              <a:rPr kumimoji="1" lang="en-US" altLang="ja-JP" dirty="0" err="1"/>
+              <a:t>của</a:t>
+            </a:r>
+            <a:r>
+              <a:rPr kumimoji="1" lang="en-US" altLang="ja-JP" dirty="0"/>
+              <a:t> </a:t>
+            </a:r>
+            <a:r>
+              <a:rPr kumimoji="1" lang="en-US" altLang="ja-JP" dirty="0" err="1"/>
+              <a:t>bạn</a:t>
+            </a:r>
+            <a:endParaRPr kumimoji="1" lang="en-US" altLang="ja-JP" dirty="0"/>
+          </a:p>
+        </p:txBody>
+      </p:sp>
+      <p:sp>
+        <p:nvSpPr>
+          <p:cNvPr id="37" name="矢印: 下 36">
+            <a:extLst>
+              <a:ext uri="{FF2B5EF4-FFF2-40B4-BE49-F238E27FC236}">
+                <a16:creationId xmlns:a16="http://schemas.microsoft.com/office/drawing/2014/main" id="{BC579925-DD9F-4908-82E6-12A3FE2934E4}"/>
+              </a:ext>
+            </a:extLst>
+          </p:cNvPr>
+          <p:cNvSpPr/>
+          <p:nvPr/>
+        </p:nvSpPr>
+        <p:spPr>
+          <a:xfrm>
+            <a:off x="4097990" y="5209949"/>
+            <a:ext cx="803450" cy="207373"/>
+          </a:xfrm>
+          <a:prstGeom prst="downArrow">
+            <a:avLst/>
+          </a:prstGeom>
+        </p:spPr>
+        <p:style>
+          <a:lnRef idx="2">
+            <a:schemeClr val="accent1">
+              <a:shade val="50000"/>
+            </a:schemeClr>
+          </a:lnRef>
+          <a:fillRef idx="1">
+            <a:schemeClr val="accent1"/>
+          </a:fillRef>
+          <a:effectRef idx="0">
+            <a:schemeClr val="accent1"/>
+          </a:effectRef>
+          <a:fontRef idx="minor">
+            <a:schemeClr val="lt1"/>
+          </a:fontRef>
+        </p:style>
+        <p:txBody>
+          <a:bodyPr rtlCol="0" anchor="ctr"/>
+          <a:lstStyle/>
+          <a:p>
+            <a:pPr algn="ctr"/>
+            <a:endParaRPr kumimoji="1" lang="ja-JP" altLang="en-US"/>
+          </a:p>
+        </p:txBody>
+      </p:sp>
     </p:spTree>
     <p:extLst>
       <p:ext uri="{BB962C8B-B14F-4D97-AF65-F5344CB8AC3E}">
-        <p14:creationId xmlns:p14="http://schemas.microsoft.com/office/powerpoint/2010/main" val="792298245"/>
+        <p14:creationId xmlns:p14="http://schemas.microsoft.com/office/powerpoint/2010/main" val="3945748041"/>
       </p:ext>
     </p:extLst>
   </p:cSld>
@@ -7527,6 +7761,451 @@
               </a:spcBef>
             </a:pPr>
             <a:r>
+              <a:rPr lang="" sz="2400" b="0" strike="noStrike" spc="-1" dirty="0">
+                <a:solidFill>
+                  <a:srgbClr val="000000"/>
+                </a:solidFill>
+                <a:latin typeface="Meiryo UI"/>
+                <a:ea typeface="Meiryo UI"/>
+              </a:rPr>
+              <a:t>2</a:t>
+            </a:r>
+            <a:r>
+              <a:rPr lang="en-US" sz="2400" b="0" strike="noStrike" spc="-1" dirty="0">
+                <a:solidFill>
+                  <a:srgbClr val="000000"/>
+                </a:solidFill>
+                <a:latin typeface="Meiryo UI"/>
+                <a:ea typeface="Meiryo UI"/>
+              </a:rPr>
+              <a:t>.</a:t>
+            </a:r>
+            <a:r>
+              <a:rPr lang="ja-JP" altLang="en-US" sz="2400" b="0" strike="noStrike" spc="-1" dirty="0">
+                <a:solidFill>
+                  <a:srgbClr val="000000"/>
+                </a:solidFill>
+                <a:latin typeface="Meiryo UI"/>
+                <a:ea typeface="Meiryo UI"/>
+              </a:rPr>
+              <a:t>　</a:t>
+            </a:r>
+            <a:r>
+              <a:rPr lang="en-US" altLang="ja-JP" sz="2400" b="0" strike="noStrike" spc="-1" dirty="0">
+                <a:solidFill>
+                  <a:srgbClr val="000000"/>
+                </a:solidFill>
+                <a:latin typeface="Meiryo UI"/>
+                <a:ea typeface="Meiryo UI"/>
+              </a:rPr>
+              <a:t>Sample </a:t>
+            </a:r>
+            <a:r>
+              <a:rPr lang="en-US" altLang="ja-JP" sz="2400" b="0" strike="noStrike" spc="-1" dirty="0" err="1">
+                <a:solidFill>
+                  <a:srgbClr val="000000"/>
+                </a:solidFill>
+                <a:latin typeface="Meiryo UI"/>
+                <a:ea typeface="Meiryo UI"/>
+              </a:rPr>
+              <a:t>cho</a:t>
+            </a:r>
+            <a:r>
+              <a:rPr lang="en-US" altLang="ja-JP" sz="2400" b="0" strike="noStrike" spc="-1" dirty="0">
+                <a:solidFill>
+                  <a:srgbClr val="000000"/>
+                </a:solidFill>
+                <a:latin typeface="Meiryo UI"/>
+                <a:ea typeface="Meiryo UI"/>
+              </a:rPr>
+              <a:t> document staff</a:t>
+            </a:r>
+            <a:endParaRPr lang="en-US" sz="2400" b="0" strike="noStrike" spc="-1" dirty="0">
+              <a:latin typeface="Arial"/>
+            </a:endParaRPr>
+          </a:p>
+        </p:txBody>
+      </p:sp>
+      <p:sp>
+        <p:nvSpPr>
+          <p:cNvPr id="65" name="CustomShape 7"/>
+          <p:cNvSpPr/>
+          <p:nvPr/>
+        </p:nvSpPr>
+        <p:spPr>
+          <a:xfrm>
+            <a:off x="155520" y="-144360"/>
+            <a:ext cx="302400" cy="302400"/>
+          </a:xfrm>
+          <a:prstGeom prst="rect">
+            <a:avLst/>
+          </a:prstGeom>
+          <a:noFill/>
+          <a:ln>
+            <a:noFill/>
+          </a:ln>
+        </p:spPr>
+        <p:style>
+          <a:lnRef idx="0">
+            <a:srgbClr val="FFFFFF"/>
+          </a:lnRef>
+          <a:fillRef idx="0">
+            <a:srgbClr val="FFFFFF"/>
+          </a:fillRef>
+          <a:effectRef idx="0">
+            <a:srgbClr val="FFFFFF"/>
+          </a:effectRef>
+          <a:fontRef idx="minor"/>
+        </p:style>
+      </p:sp>
+      <p:sp>
+        <p:nvSpPr>
+          <p:cNvPr id="66" name="CustomShape 8"/>
+          <p:cNvSpPr/>
+          <p:nvPr/>
+        </p:nvSpPr>
+        <p:spPr>
+          <a:xfrm>
+            <a:off x="155520" y="-144360"/>
+            <a:ext cx="302400" cy="302400"/>
+          </a:xfrm>
+          <a:prstGeom prst="rect">
+            <a:avLst/>
+          </a:prstGeom>
+          <a:noFill/>
+          <a:ln>
+            <a:noFill/>
+          </a:ln>
+        </p:spPr>
+        <p:style>
+          <a:lnRef idx="0">
+            <a:srgbClr val="FFFFFF"/>
+          </a:lnRef>
+          <a:fillRef idx="0">
+            <a:srgbClr val="FFFFFF"/>
+          </a:fillRef>
+          <a:effectRef idx="0">
+            <a:srgbClr val="FFFFFF"/>
+          </a:effectRef>
+          <a:fontRef idx="minor"/>
+        </p:style>
+      </p:sp>
+      <p:sp>
+        <p:nvSpPr>
+          <p:cNvPr id="13" name="CustomShape 1"/>
+          <p:cNvSpPr/>
+          <p:nvPr/>
+        </p:nvSpPr>
+        <p:spPr>
+          <a:xfrm>
+            <a:off x="3484880" y="732815"/>
+            <a:ext cx="8069760" cy="48240"/>
+          </a:xfrm>
+          <a:prstGeom prst="rect">
+            <a:avLst/>
+          </a:prstGeom>
+          <a:solidFill>
+            <a:srgbClr val="BEC2CD"/>
+          </a:solidFill>
+          <a:ln>
+            <a:noFill/>
+          </a:ln>
+        </p:spPr>
+        <p:style>
+          <a:lnRef idx="2">
+            <a:schemeClr val="accent1">
+              <a:shade val="50000"/>
+            </a:schemeClr>
+          </a:lnRef>
+          <a:fillRef idx="1">
+            <a:schemeClr val="accent1"/>
+          </a:fillRef>
+          <a:effectRef idx="0">
+            <a:schemeClr val="accent1"/>
+          </a:effectRef>
+          <a:fontRef idx="minor"/>
+        </p:style>
+      </p:sp>
+      <p:pic>
+        <p:nvPicPr>
+          <p:cNvPr id="12" name="図 11">
+            <a:extLst>
+              <a:ext uri="{FF2B5EF4-FFF2-40B4-BE49-F238E27FC236}">
+                <a16:creationId xmlns:a16="http://schemas.microsoft.com/office/drawing/2014/main" id="{03A63A1A-CA73-4D04-92F3-A530DC562A1D}"/>
+              </a:ext>
+            </a:extLst>
+          </p:cNvPr>
+          <p:cNvPicPr>
+            <a:picLocks noChangeAspect="1"/>
+          </p:cNvPicPr>
+          <p:nvPr/>
+        </p:nvPicPr>
+        <p:blipFill>
+          <a:blip r:embed="rId3"/>
+          <a:stretch>
+            <a:fillRect/>
+          </a:stretch>
+        </p:blipFill>
+        <p:spPr>
+          <a:xfrm>
+            <a:off x="528940" y="1116747"/>
+            <a:ext cx="6234501" cy="1658112"/>
+          </a:xfrm>
+          <a:prstGeom prst="rect">
+            <a:avLst/>
+          </a:prstGeom>
+        </p:spPr>
+      </p:pic>
+    </p:spTree>
+    <p:extLst>
+      <p:ext uri="{BB962C8B-B14F-4D97-AF65-F5344CB8AC3E}">
+        <p14:creationId xmlns:p14="http://schemas.microsoft.com/office/powerpoint/2010/main" val="792298245"/>
+      </p:ext>
+    </p:extLst>
+  </p:cSld>
+  <p:clrMapOvr>
+    <a:masterClrMapping/>
+  </p:clrMapOvr>
+</p:sld>
+</file>
+
+<file path=ppt/slides/slide8.xml><?xml version="1.0" encoding="utf-8"?>
+<p:sld xmlns:a="http://schemas.openxmlformats.org/drawingml/2006/main" xmlns:r="http://schemas.openxmlformats.org/officeDocument/2006/relationships" xmlns:p="http://schemas.openxmlformats.org/presentationml/2006/main">
+  <p:cSld>
+    <p:spTree>
+      <p:nvGrpSpPr>
+        <p:cNvPr id="1" name=""/>
+        <p:cNvGrpSpPr/>
+        <p:nvPr/>
+      </p:nvGrpSpPr>
+      <p:grpSpPr>
+        <a:xfrm>
+          <a:off x="0" y="0"/>
+          <a:ext cx="0" cy="0"/>
+          <a:chOff x="0" y="0"/>
+          <a:chExt cx="0" cy="0"/>
+        </a:xfrm>
+      </p:grpSpPr>
+      <p:sp>
+        <p:nvSpPr>
+          <p:cNvPr id="59" name="CustomShape 1"/>
+          <p:cNvSpPr/>
+          <p:nvPr/>
+        </p:nvSpPr>
+        <p:spPr>
+          <a:xfrm>
+            <a:off x="0" y="739800"/>
+            <a:ext cx="8069760" cy="48240"/>
+          </a:xfrm>
+          <a:prstGeom prst="rect">
+            <a:avLst/>
+          </a:prstGeom>
+          <a:solidFill>
+            <a:srgbClr val="BEC2CD"/>
+          </a:solidFill>
+          <a:ln>
+            <a:noFill/>
+          </a:ln>
+        </p:spPr>
+        <p:style>
+          <a:lnRef idx="2">
+            <a:schemeClr val="accent1">
+              <a:shade val="50000"/>
+            </a:schemeClr>
+          </a:lnRef>
+          <a:fillRef idx="1">
+            <a:schemeClr val="accent1"/>
+          </a:fillRef>
+          <a:effectRef idx="0">
+            <a:schemeClr val="accent1"/>
+          </a:effectRef>
+          <a:fontRef idx="minor"/>
+        </p:style>
+      </p:sp>
+      <p:sp>
+        <p:nvSpPr>
+          <p:cNvPr id="60" name="CustomShape 2"/>
+          <p:cNvSpPr/>
+          <p:nvPr/>
+        </p:nvSpPr>
+        <p:spPr>
+          <a:xfrm>
+            <a:off x="0" y="0"/>
+            <a:ext cx="9141480" cy="140400"/>
+          </a:xfrm>
+          <a:prstGeom prst="rect">
+            <a:avLst/>
+          </a:prstGeom>
+          <a:solidFill>
+            <a:srgbClr val="106A85"/>
+          </a:solidFill>
+          <a:ln>
+            <a:noFill/>
+          </a:ln>
+        </p:spPr>
+        <p:style>
+          <a:lnRef idx="2">
+            <a:schemeClr val="accent1">
+              <a:shade val="50000"/>
+            </a:schemeClr>
+          </a:lnRef>
+          <a:fillRef idx="1">
+            <a:schemeClr val="accent1"/>
+          </a:fillRef>
+          <a:effectRef idx="0">
+            <a:schemeClr val="accent1"/>
+          </a:effectRef>
+          <a:fontRef idx="minor"/>
+        </p:style>
+      </p:sp>
+      <p:sp>
+        <p:nvSpPr>
+          <p:cNvPr id="61" name="CustomShape 3"/>
+          <p:cNvSpPr/>
+          <p:nvPr/>
+        </p:nvSpPr>
+        <p:spPr>
+          <a:xfrm>
+            <a:off x="0" y="6561000"/>
+            <a:ext cx="9141480" cy="283320"/>
+          </a:xfrm>
+          <a:prstGeom prst="rect">
+            <a:avLst/>
+          </a:prstGeom>
+          <a:solidFill>
+            <a:srgbClr val="106A85"/>
+          </a:solidFill>
+          <a:ln>
+            <a:noFill/>
+          </a:ln>
+        </p:spPr>
+        <p:style>
+          <a:lnRef idx="2">
+            <a:schemeClr val="accent1">
+              <a:shade val="50000"/>
+            </a:schemeClr>
+          </a:lnRef>
+          <a:fillRef idx="1">
+            <a:schemeClr val="accent1"/>
+          </a:fillRef>
+          <a:effectRef idx="0">
+            <a:schemeClr val="accent1"/>
+          </a:effectRef>
+          <a:fontRef idx="minor"/>
+        </p:style>
+      </p:sp>
+      <p:sp>
+        <p:nvSpPr>
+          <p:cNvPr id="62" name="CustomShape 4"/>
+          <p:cNvSpPr/>
+          <p:nvPr/>
+        </p:nvSpPr>
+        <p:spPr>
+          <a:xfrm>
+            <a:off x="6553080" y="6534000"/>
+            <a:ext cx="2131200" cy="362520"/>
+          </a:xfrm>
+          <a:prstGeom prst="rect">
+            <a:avLst/>
+          </a:prstGeom>
+          <a:noFill/>
+          <a:ln>
+            <a:noFill/>
+          </a:ln>
+        </p:spPr>
+        <p:style>
+          <a:lnRef idx="0">
+            <a:srgbClr val="FFFFFF"/>
+          </a:lnRef>
+          <a:fillRef idx="0">
+            <a:srgbClr val="FFFFFF"/>
+          </a:fillRef>
+          <a:effectRef idx="0">
+            <a:srgbClr val="FFFFFF"/>
+          </a:effectRef>
+          <a:fontRef idx="minor"/>
+        </p:style>
+      </p:sp>
+      <p:sp>
+        <p:nvSpPr>
+          <p:cNvPr id="63" name="CustomShape 5"/>
+          <p:cNvSpPr/>
+          <p:nvPr/>
+        </p:nvSpPr>
+        <p:spPr>
+          <a:xfrm>
+            <a:off x="0" y="93600"/>
+            <a:ext cx="9141480" cy="59400"/>
+          </a:xfrm>
+          <a:prstGeom prst="rect">
+            <a:avLst/>
+          </a:prstGeom>
+          <a:solidFill>
+            <a:srgbClr val="F89926"/>
+          </a:solidFill>
+          <a:ln>
+            <a:noFill/>
+          </a:ln>
+        </p:spPr>
+        <p:style>
+          <a:lnRef idx="2">
+            <a:schemeClr val="accent1">
+              <a:shade val="50000"/>
+            </a:schemeClr>
+          </a:lnRef>
+          <a:fillRef idx="1">
+            <a:schemeClr val="accent1"/>
+          </a:fillRef>
+          <a:effectRef idx="0">
+            <a:schemeClr val="accent1"/>
+          </a:effectRef>
+          <a:fontRef idx="minor"/>
+        </p:style>
+      </p:sp>
+      <p:sp>
+        <p:nvSpPr>
+          <p:cNvPr id="64" name="CustomShape 6"/>
+          <p:cNvSpPr/>
+          <p:nvPr/>
+        </p:nvSpPr>
+        <p:spPr>
+          <a:xfrm>
+            <a:off x="256320" y="278280"/>
+            <a:ext cx="788400" cy="453960"/>
+          </a:xfrm>
+          <a:prstGeom prst="rect">
+            <a:avLst/>
+          </a:prstGeom>
+          <a:noFill/>
+          <a:ln>
+            <a:noFill/>
+          </a:ln>
+        </p:spPr>
+        <p:style>
+          <a:lnRef idx="0">
+            <a:srgbClr val="FFFFFF"/>
+          </a:lnRef>
+          <a:fillRef idx="0">
+            <a:srgbClr val="FFFFFF"/>
+          </a:fillRef>
+          <a:effectRef idx="0">
+            <a:srgbClr val="FFFFFF"/>
+          </a:effectRef>
+          <a:fontRef idx="minor"/>
+        </p:style>
+        <p:txBody>
+          <a:bodyPr wrap="none" lIns="90000" tIns="45000" rIns="90000" bIns="45000"/>
+          <a:lstStyle/>
+          <a:p>
+            <a:pPr>
+              <a:lnSpc>
+                <a:spcPct val="100000"/>
+              </a:lnSpc>
+              <a:spcBef>
+                <a:spcPts val="480"/>
+              </a:spcBef>
+            </a:pPr>
+            <a:r>
               <a:rPr lang="" sz="2400" spc="-1" dirty="0">
                 <a:solidFill>
                   <a:srgbClr val="000000"/>
@@ -7747,7 +8426,7 @@
         <p:spPr>
           <a:xfrm>
             <a:off x="568171" y="1091953"/>
-            <a:ext cx="7228261" cy="3108543"/>
+            <a:ext cx="8720529" cy="3108543"/>
           </a:xfrm>
           <a:prstGeom prst="rect">
             <a:avLst/>
@@ -7778,7 +8457,15 @@
             </a:r>
             <a:r>
               <a:rPr kumimoji="1" lang="en-US" altLang="ja-JP" sz="2800" dirty="0"/>
-              <a:t> 10 staffs.</a:t>
+              <a:t> </a:t>
+            </a:r>
+            <a:r>
+              <a:rPr kumimoji="1" lang="en-US" altLang="ja-JP" sz="2800" dirty="0" err="1"/>
+              <a:t>khoảng</a:t>
+            </a:r>
+            <a:r>
+              <a:rPr kumimoji="1" lang="en-US" altLang="ja-JP" sz="2800" dirty="0"/>
+              <a:t> 5~10 staffs.</a:t>
             </a:r>
             <a:r>
               <a:rPr kumimoji="1" lang="ja-JP" altLang="en-US" sz="2800" dirty="0"/>
